--- a/FW/Phuc/WEEK1_wifi kit 32 broad/TEMPLATE ESLITE WIFI KIT 32.pptx
+++ b/FW/Phuc/WEEK1_wifi kit 32 broad/TEMPLATE ESLITE WIFI KIT 32.pptx
@@ -225,7 +225,7 @@
           <a:p>
             <a:fld id="{BE921E71-55FB-4F70-BA64-7E87629B9540}" type="datetimeFigureOut">
               <a:rPr lang="en-US" smtClean="0"/>
-              <a:t>7/20/2020</a:t>
+              <a:t>8/23/2020</a:t>
             </a:fld>
             <a:endParaRPr lang="en-US"/>
           </a:p>
@@ -289,38 +289,37 @@
           <a:p>
             <a:pPr lvl="0"/>
             <a:r>
-              <a:rPr lang="en-US" smtClean="0"/>
+              <a:rPr lang="en-US"/>
               <a:t>Edit Master text styles</a:t>
             </a:r>
           </a:p>
           <a:p>
             <a:pPr lvl="1"/>
             <a:r>
-              <a:rPr lang="en-US" smtClean="0"/>
+              <a:rPr lang="en-US"/>
               <a:t>Second level</a:t>
             </a:r>
           </a:p>
           <a:p>
             <a:pPr lvl="2"/>
             <a:r>
-              <a:rPr lang="en-US" smtClean="0"/>
+              <a:rPr lang="en-US"/>
               <a:t>Third level</a:t>
             </a:r>
           </a:p>
           <a:p>
             <a:pPr lvl="3"/>
             <a:r>
-              <a:rPr lang="en-US" smtClean="0"/>
+              <a:rPr lang="en-US"/>
               <a:t>Fourth level</a:t>
             </a:r>
           </a:p>
           <a:p>
             <a:pPr lvl="4"/>
             <a:r>
-              <a:rPr lang="en-US" smtClean="0"/>
+              <a:rPr lang="en-US"/>
               <a:t>Fifth level</a:t>
             </a:r>
-            <a:endParaRPr lang="en-US"/>
           </a:p>
         </p:txBody>
       </p:sp>
@@ -564,13 +563,6 @@
   <p:clrMapOvr>
     <a:masterClrMapping/>
   </p:clrMapOvr>
-  <p:timing>
-    <p:tnLst>
-      <p:par>
-        <p:cTn id="1" dur="indefinite" restart="never" nodeType="tmRoot"/>
-      </p:par>
-    </p:tnLst>
-  </p:timing>
 </p:sldLayout>
 </file>
 
@@ -679,17 +671,16 @@
           </a:lstStyle>
           <a:p>
             <a:r>
-              <a:rPr lang="en-US" dirty="0" smtClean="0"/>
+              <a:rPr lang="en-US" dirty="0"/>
               <a:t>Headline here</a:t>
             </a:r>
             <a:br>
-              <a:rPr lang="en-US" dirty="0" smtClean="0"/>
+              <a:rPr lang="en-US" dirty="0"/>
             </a:br>
             <a:r>
-              <a:rPr lang="en-US" dirty="0" smtClean="0"/>
+              <a:rPr lang="en-US" dirty="0"/>
               <a:t>Content</a:t>
             </a:r>
-            <a:endParaRPr lang="en-US" dirty="0"/>
           </a:p>
         </p:txBody>
       </p:sp>
@@ -722,7 +713,7 @@
           </a:lstStyle>
           <a:p>
             <a:r>
-              <a:rPr lang="en-US" smtClean="0"/>
+              <a:rPr lang="en-US"/>
               <a:t>www.indruino.com</a:t>
             </a:r>
             <a:endParaRPr lang="en-US" dirty="0"/>
@@ -793,16 +784,15 @@
           </a:lstStyle>
           <a:p>
             <a:r>
-              <a:rPr lang="en-US" dirty="0" smtClean="0"/>
+              <a:rPr lang="en-US" dirty="0"/>
               <a:t>Subhead here</a:t>
             </a:r>
           </a:p>
           <a:p>
             <a:r>
-              <a:rPr lang="en-US" dirty="0" smtClean="0"/>
+              <a:rPr lang="en-US" dirty="0"/>
               <a:t>Content</a:t>
             </a:r>
-            <a:endParaRPr lang="en-US" dirty="0"/>
           </a:p>
         </p:txBody>
       </p:sp>
@@ -1023,7 +1013,7 @@
           </a:lstStyle>
           <a:p>
             <a:r>
-              <a:rPr lang="en-US" dirty="0" err="1" smtClean="0">
+              <a:rPr lang="en-US" dirty="0" err="1">
                 <a:solidFill>
                   <a:schemeClr val="bg1"/>
                 </a:solidFill>
@@ -1031,7 +1021,7 @@
               <a:t>Diễn</a:t>
             </a:r>
             <a:r>
-              <a:rPr lang="en-US" dirty="0" smtClean="0">
+              <a:rPr lang="en-US" dirty="0">
                 <a:solidFill>
                   <a:schemeClr val="bg1"/>
                 </a:solidFill>
@@ -1039,7 +1029,7 @@
               <a:t> </a:t>
             </a:r>
             <a:r>
-              <a:rPr lang="en-US" dirty="0" err="1" smtClean="0">
+              <a:rPr lang="en-US" dirty="0" err="1">
                 <a:solidFill>
                   <a:schemeClr val="bg1"/>
                 </a:solidFill>
@@ -1047,7 +1037,7 @@
               <a:t>giả</a:t>
             </a:r>
             <a:r>
-              <a:rPr lang="en-US" dirty="0" smtClean="0">
+              <a:rPr lang="en-US" dirty="0">
                 <a:solidFill>
                   <a:schemeClr val="bg1"/>
                 </a:solidFill>
@@ -1055,14 +1045,14 @@
               <a:t>: </a:t>
             </a:r>
             <a:r>
-              <a:rPr lang="en-US" dirty="0" err="1" smtClean="0">
+              <a:rPr lang="en-US" dirty="0" err="1">
                 <a:solidFill>
                   <a:schemeClr val="bg1"/>
                 </a:solidFill>
               </a:rPr>
               <a:t>Indruino</a:t>
             </a:r>
-            <a:endParaRPr lang="en-US" dirty="0" smtClean="0">
+            <a:endParaRPr lang="en-US" dirty="0">
               <a:solidFill>
                 <a:schemeClr val="bg1"/>
               </a:solidFill>
@@ -1070,7 +1060,7 @@
           </a:p>
           <a:p>
             <a:r>
-              <a:rPr lang="en-US" dirty="0" err="1" smtClean="0">
+              <a:rPr lang="en-US" dirty="0" err="1">
                 <a:solidFill>
                   <a:schemeClr val="bg1"/>
                 </a:solidFill>
@@ -1078,7 +1068,7 @@
               <a:t>Bộ</a:t>
             </a:r>
             <a:r>
-              <a:rPr lang="en-US" dirty="0" smtClean="0">
+              <a:rPr lang="en-US" dirty="0">
                 <a:solidFill>
                   <a:schemeClr val="bg1"/>
                 </a:solidFill>
@@ -1086,7 +1076,7 @@
               <a:t> </a:t>
             </a:r>
             <a:r>
-              <a:rPr lang="en-US" dirty="0" err="1" smtClean="0">
+              <a:rPr lang="en-US" dirty="0" err="1">
                 <a:solidFill>
                   <a:schemeClr val="bg1"/>
                 </a:solidFill>
@@ -1094,7 +1084,7 @@
               <a:t>phận</a:t>
             </a:r>
             <a:r>
-              <a:rPr lang="en-US" dirty="0" smtClean="0">
+              <a:rPr lang="en-US" dirty="0">
                 <a:solidFill>
                   <a:schemeClr val="bg1"/>
                 </a:solidFill>
@@ -1102,7 +1092,7 @@
               <a:t>: </a:t>
             </a:r>
             <a:r>
-              <a:rPr lang="en-US" dirty="0" err="1" smtClean="0">
+              <a:rPr lang="en-US" dirty="0" err="1">
                 <a:solidFill>
                   <a:schemeClr val="bg1"/>
                 </a:solidFill>
@@ -1170,13 +1160,6 @@
   <p:clrMapOvr>
     <a:masterClrMapping/>
   </p:clrMapOvr>
-  <p:timing>
-    <p:tnLst>
-      <p:par>
-        <p:cTn id="1" dur="indefinite" restart="never" nodeType="tmRoot"/>
-      </p:par>
-    </p:tnLst>
-  </p:timing>
 </p:sldLayout>
 </file>
 
@@ -1224,10 +1207,9 @@
           </a:lstStyle>
           <a:p>
             <a:r>
-              <a:rPr lang="en-US" dirty="0" smtClean="0"/>
+              <a:rPr lang="en-US" dirty="0"/>
               <a:t>Title here</a:t>
             </a:r>
-            <a:endParaRPr lang="en-US" dirty="0"/>
           </a:p>
         </p:txBody>
       </p:sp>
@@ -1291,7 +1273,7 @@
           </a:lstStyle>
           <a:p>
             <a:r>
-              <a:rPr lang="en-US" dirty="0" smtClean="0"/>
+              <a:rPr lang="en-US" dirty="0"/>
               <a:t>Subtitle here</a:t>
             </a:r>
           </a:p>
@@ -1584,7 +1566,7 @@
           <a:p>
             <a:pPr lvl="0"/>
             <a:r>
-              <a:rPr lang="en-US" dirty="0" smtClean="0"/>
+              <a:rPr lang="en-US" dirty="0"/>
               <a:t>Content Here</a:t>
             </a:r>
           </a:p>
@@ -1600,13 +1582,6 @@
   <p:clrMapOvr>
     <a:masterClrMapping/>
   </p:clrMapOvr>
-  <p:timing>
-    <p:tnLst>
-      <p:par>
-        <p:cTn id="1" dur="indefinite" restart="never" nodeType="tmRoot"/>
-      </p:par>
-    </p:tnLst>
-  </p:timing>
 </p:sldLayout>
 </file>
 
@@ -1654,10 +1629,9 @@
           </a:lstStyle>
           <a:p>
             <a:r>
-              <a:rPr lang="en-US" dirty="0" smtClean="0"/>
+              <a:rPr lang="en-US" dirty="0"/>
               <a:t>Title here</a:t>
             </a:r>
-            <a:endParaRPr lang="en-US" dirty="0"/>
           </a:p>
         </p:txBody>
       </p:sp>
@@ -1721,7 +1695,7 @@
           </a:lstStyle>
           <a:p>
             <a:r>
-              <a:rPr lang="en-US" dirty="0" smtClean="0"/>
+              <a:rPr lang="en-US" dirty="0"/>
               <a:t>Subtitle here</a:t>
             </a:r>
           </a:p>
@@ -1953,7 +1927,7 @@
           <a:p>
             <a:pPr lvl="0"/>
             <a:r>
-              <a:rPr lang="en-US" dirty="0" smtClean="0"/>
+              <a:rPr lang="en-US" dirty="0"/>
               <a:t>Content Here</a:t>
             </a:r>
           </a:p>
@@ -2018,7 +1992,7 @@
           <a:p>
             <a:pPr lvl="0"/>
             <a:r>
-              <a:rPr lang="en-US" dirty="0" smtClean="0"/>
+              <a:rPr lang="en-US" dirty="0"/>
               <a:t>Content Here</a:t>
             </a:r>
           </a:p>
@@ -2083,7 +2057,7 @@
           <a:p>
             <a:pPr lvl="0"/>
             <a:r>
-              <a:rPr lang="en-US" dirty="0" smtClean="0"/>
+              <a:rPr lang="en-US" dirty="0"/>
               <a:t>Content Here</a:t>
             </a:r>
           </a:p>
@@ -2099,13 +2073,6 @@
   <p:clrMapOvr>
     <a:masterClrMapping/>
   </p:clrMapOvr>
-  <p:timing>
-    <p:tnLst>
-      <p:par>
-        <p:cTn id="1" dur="indefinite" restart="never" nodeType="tmRoot"/>
-      </p:par>
-    </p:tnLst>
-  </p:timing>
 </p:sldLayout>
 </file>
 
@@ -2275,10 +2242,9 @@
           </a:lstStyle>
           <a:p>
             <a:r>
-              <a:rPr lang="en-US" dirty="0" smtClean="0"/>
+              <a:rPr lang="en-US" dirty="0"/>
               <a:t>Title here</a:t>
             </a:r>
-            <a:endParaRPr lang="en-US" dirty="0"/>
           </a:p>
         </p:txBody>
       </p:sp>
@@ -2342,7 +2308,7 @@
           </a:lstStyle>
           <a:p>
             <a:r>
-              <a:rPr lang="en-US" dirty="0" smtClean="0"/>
+              <a:rPr lang="en-US" dirty="0"/>
               <a:t>Subtitle here</a:t>
             </a:r>
           </a:p>
@@ -2574,7 +2540,7 @@
           <a:p>
             <a:pPr lvl="0"/>
             <a:r>
-              <a:rPr lang="en-US" dirty="0" smtClean="0"/>
+              <a:rPr lang="en-US" dirty="0"/>
               <a:t>Content Here</a:t>
             </a:r>
           </a:p>
@@ -2590,13 +2556,6 @@
   <p:clrMapOvr>
     <a:masterClrMapping/>
   </p:clrMapOvr>
-  <p:timing>
-    <p:tnLst>
-      <p:par>
-        <p:cTn id="1" dur="indefinite" restart="never" nodeType="tmRoot"/>
-      </p:par>
-    </p:tnLst>
-  </p:timing>
 </p:sldLayout>
 </file>
 
@@ -2708,10 +2667,9 @@
           </a:lstStyle>
           <a:p>
             <a:r>
-              <a:rPr lang="en-US" dirty="0" smtClean="0"/>
+              <a:rPr lang="en-US" dirty="0"/>
               <a:t>Thanks you !</a:t>
             </a:r>
-            <a:endParaRPr lang="en-US" dirty="0"/>
           </a:p>
         </p:txBody>
       </p:sp>
@@ -2744,7 +2702,7 @@
           </a:lstStyle>
           <a:p>
             <a:r>
-              <a:rPr lang="en-US" smtClean="0"/>
+              <a:rPr lang="en-US"/>
               <a:t>www.indruino.com</a:t>
             </a:r>
             <a:endParaRPr lang="en-US" dirty="0"/>
@@ -2968,7 +2926,7 @@
           </a:lstStyle>
           <a:p>
             <a:r>
-              <a:rPr lang="en-US" dirty="0" err="1" smtClean="0">
+              <a:rPr lang="en-US" dirty="0" err="1">
                 <a:solidFill>
                   <a:schemeClr val="bg1"/>
                 </a:solidFill>
@@ -2976,7 +2934,7 @@
               <a:t>Diễn</a:t>
             </a:r>
             <a:r>
-              <a:rPr lang="en-US" dirty="0" smtClean="0">
+              <a:rPr lang="en-US" dirty="0">
                 <a:solidFill>
                   <a:schemeClr val="bg1"/>
                 </a:solidFill>
@@ -2984,7 +2942,7 @@
               <a:t> </a:t>
             </a:r>
             <a:r>
-              <a:rPr lang="en-US" dirty="0" err="1" smtClean="0">
+              <a:rPr lang="en-US" dirty="0" err="1">
                 <a:solidFill>
                   <a:schemeClr val="bg1"/>
                 </a:solidFill>
@@ -2992,7 +2950,7 @@
               <a:t>giả</a:t>
             </a:r>
             <a:r>
-              <a:rPr lang="en-US" dirty="0" smtClean="0">
+              <a:rPr lang="en-US" dirty="0">
                 <a:solidFill>
                   <a:schemeClr val="bg1"/>
                 </a:solidFill>
@@ -3000,14 +2958,14 @@
               <a:t>: </a:t>
             </a:r>
             <a:r>
-              <a:rPr lang="en-US" dirty="0" err="1" smtClean="0">
+              <a:rPr lang="en-US" dirty="0" err="1">
                 <a:solidFill>
                   <a:schemeClr val="bg1"/>
                 </a:solidFill>
               </a:rPr>
               <a:t>Indruino</a:t>
             </a:r>
-            <a:endParaRPr lang="en-US" dirty="0" smtClean="0">
+            <a:endParaRPr lang="en-US" dirty="0">
               <a:solidFill>
                 <a:schemeClr val="bg1"/>
               </a:solidFill>
@@ -3015,7 +2973,7 @@
           </a:p>
           <a:p>
             <a:r>
-              <a:rPr lang="en-US" dirty="0" err="1" smtClean="0">
+              <a:rPr lang="en-US" dirty="0" err="1">
                 <a:solidFill>
                   <a:schemeClr val="bg1"/>
                 </a:solidFill>
@@ -3023,7 +2981,7 @@
               <a:t>Bộ</a:t>
             </a:r>
             <a:r>
-              <a:rPr lang="en-US" dirty="0" smtClean="0">
+              <a:rPr lang="en-US" dirty="0">
                 <a:solidFill>
                   <a:schemeClr val="bg1"/>
                 </a:solidFill>
@@ -3031,7 +2989,7 @@
               <a:t> </a:t>
             </a:r>
             <a:r>
-              <a:rPr lang="en-US" dirty="0" err="1" smtClean="0">
+              <a:rPr lang="en-US" dirty="0" err="1">
                 <a:solidFill>
                   <a:schemeClr val="bg1"/>
                 </a:solidFill>
@@ -3039,7 +2997,7 @@
               <a:t>phận</a:t>
             </a:r>
             <a:r>
-              <a:rPr lang="en-US" dirty="0" smtClean="0">
+              <a:rPr lang="en-US" dirty="0">
                 <a:solidFill>
                   <a:schemeClr val="bg1"/>
                 </a:solidFill>
@@ -3047,7 +3005,7 @@
               <a:t>: </a:t>
             </a:r>
             <a:r>
-              <a:rPr lang="en-US" dirty="0" err="1" smtClean="0">
+              <a:rPr lang="en-US" dirty="0" err="1">
                 <a:solidFill>
                   <a:schemeClr val="bg1"/>
                 </a:solidFill>
@@ -3115,13 +3073,6 @@
   <p:clrMapOvr>
     <a:masterClrMapping/>
   </p:clrMapOvr>
-  <p:timing>
-    <p:tnLst>
-      <p:par>
-        <p:cTn id="1" dur="indefinite" restart="never" nodeType="tmRoot"/>
-      </p:par>
-    </p:tnLst>
-  </p:timing>
 </p:sldLayout>
 </file>
 
@@ -3176,10 +3127,9 @@
           <a:lstStyle/>
           <a:p>
             <a:r>
-              <a:rPr lang="en-US" smtClean="0"/>
+              <a:rPr lang="en-US"/>
               <a:t>Click to edit Master title style</a:t>
             </a:r>
-            <a:endParaRPr lang="en-US"/>
           </a:p>
         </p:txBody>
       </p:sp>
@@ -3210,38 +3160,37 @@
           <a:p>
             <a:pPr lvl="0"/>
             <a:r>
-              <a:rPr lang="en-US" smtClean="0"/>
+              <a:rPr lang="en-US"/>
               <a:t>Edit Master text styles</a:t>
             </a:r>
           </a:p>
           <a:p>
             <a:pPr lvl="1"/>
             <a:r>
-              <a:rPr lang="en-US" smtClean="0"/>
+              <a:rPr lang="en-US"/>
               <a:t>Second level</a:t>
             </a:r>
           </a:p>
           <a:p>
             <a:pPr lvl="2"/>
             <a:r>
-              <a:rPr lang="en-US" smtClean="0"/>
+              <a:rPr lang="en-US"/>
               <a:t>Third level</a:t>
             </a:r>
           </a:p>
           <a:p>
             <a:pPr lvl="3"/>
             <a:r>
-              <a:rPr lang="en-US" smtClean="0"/>
+              <a:rPr lang="en-US"/>
               <a:t>Fourth level</a:t>
             </a:r>
           </a:p>
           <a:p>
             <a:pPr lvl="4"/>
             <a:r>
-              <a:rPr lang="en-US" smtClean="0"/>
+              <a:rPr lang="en-US"/>
               <a:t>Fifth level</a:t>
             </a:r>
-            <a:endParaRPr lang="en-US"/>
           </a:p>
         </p:txBody>
       </p:sp>
@@ -3283,7 +3232,7 @@
           <a:p>
             <a:fld id="{6D9FEF56-C5D4-4D87-B961-211842A8ECEA}" type="datetime1">
               <a:rPr lang="en-US" smtClean="0"/>
-              <a:t>7/20/2020</a:t>
+              <a:t>8/23/2020</a:t>
             </a:fld>
             <a:endParaRPr lang="en-US"/>
           </a:p>
@@ -3326,7 +3275,7 @@
           </a:lstStyle>
           <a:p>
             <a:r>
-              <a:rPr lang="en-US" smtClean="0"/>
+              <a:rPr lang="en-US"/>
               <a:t>www.indruino.com</a:t>
             </a:r>
             <a:endParaRPr lang="en-US" dirty="0"/>
@@ -3394,13 +3343,6 @@
     <p:sldLayoutId id="2147483680" r:id="rId5"/>
     <p:sldLayoutId id="2147483663" r:id="rId6"/>
   </p:sldLayoutIdLst>
-  <p:timing>
-    <p:tnLst>
-      <p:par>
-        <p:cTn id="1" dur="indefinite" restart="never" nodeType="tmRoot"/>
-      </p:par>
-    </p:tnLst>
-  </p:timing>
   <p:hf sldNum="0" hdr="0" dt="0"/>
   <p:txStyles>
     <p:titleStyle>
@@ -3712,13 +3654,6 @@
   <p:clrMapOvr>
     <a:masterClrMapping/>
   </p:clrMapOvr>
-  <p:timing>
-    <p:tnLst>
-      <p:par>
-        <p:cTn id="1" dur="indefinite" restart="never" nodeType="tmRoot"/>
-      </p:par>
-    </p:tnLst>
-  </p:timing>
 </p:sld>
 </file>
 
@@ -3767,7 +3702,7 @@
             </a:pPr>
             <a:r>
               <a:rPr lang="en-US" sz="2400" dirty="0">
-                <a:latin typeface="Times New Roman" panose="02020603050405020304" pitchFamily="18" charset="0"/>
+                <a:latin typeface="Segoe UI Black" panose="020B0A02040204020203" pitchFamily="34" charset="0"/>
                 <a:cs typeface="Times New Roman" panose="02020603050405020304" pitchFamily="18" charset="0"/>
               </a:rPr>
               <a:t>Giao tiếp với OLED</a:t>
@@ -3780,7 +3715,7 @@
             </a:pPr>
             <a:r>
               <a:rPr lang="en-US" sz="2400" dirty="0">
-                <a:latin typeface="Times New Roman" panose="02020603050405020304" pitchFamily="18" charset="0"/>
+                <a:latin typeface="Segoe UI Black" panose="020B0A02040204020203" pitchFamily="34" charset="0"/>
                 <a:cs typeface="Times New Roman" panose="02020603050405020304" pitchFamily="18" charset="0"/>
               </a:rPr>
               <a:t>Broad giao tiếp với OLED qua giao thức I2C</a:t>
@@ -3793,7 +3728,7 @@
             </a:pPr>
             <a:r>
               <a:rPr lang="en-US" sz="2400" dirty="0">
-                <a:latin typeface="Times New Roman" panose="02020603050405020304" pitchFamily="18" charset="0"/>
+                <a:latin typeface="Segoe UI Black" panose="020B0A02040204020203" pitchFamily="34" charset="0"/>
                 <a:cs typeface="Times New Roman" panose="02020603050405020304" pitchFamily="18" charset="0"/>
               </a:rPr>
               <a:t>Gồm các chân I2C là OLED_SCL, OLED_SDA</a:t>
@@ -3806,24 +3741,10 @@
             </a:pPr>
             <a:r>
               <a:rPr lang="en-US" sz="2400" dirty="0">
-                <a:latin typeface="Times New Roman" panose="02020603050405020304" pitchFamily="18" charset="0"/>
+                <a:latin typeface="Segoe UI Black" panose="020B0A02040204020203" pitchFamily="34" charset="0"/>
                 <a:cs typeface="Times New Roman" panose="02020603050405020304" pitchFamily="18" charset="0"/>
               </a:rPr>
-              <a:t>Thêm 1 chân giúp reset hiển thị </a:t>
-            </a:r>
-            <a:r>
-              <a:rPr lang="en-US" sz="2400" dirty="0" smtClean="0">
-                <a:latin typeface="Times New Roman" panose="02020603050405020304" pitchFamily="18" charset="0"/>
-                <a:cs typeface="Times New Roman" panose="02020603050405020304" pitchFamily="18" charset="0"/>
-              </a:rPr>
-              <a:t>OLED_RST</a:t>
-            </a:r>
-            <a:r>
-              <a:rPr lang="en-US" sz="2400" dirty="0">
-                <a:latin typeface="Times New Roman" panose="02020603050405020304" pitchFamily="18" charset="0"/>
-                <a:cs typeface="Times New Roman" panose="02020603050405020304" pitchFamily="18" charset="0"/>
-              </a:rPr>
-              <a:t>Chức năng phát hiện nguồn (power detection)</a:t>
+              <a:t>Thêm 1 chân giúp reset hiển thị OLED_RSTChức năng phát hiện nguồn (power detection)</a:t>
             </a:r>
           </a:p>
           <a:p>
@@ -3833,29 +3754,11 @@
             </a:pPr>
             <a:r>
               <a:rPr lang="en-US" sz="2400" dirty="0">
-                <a:latin typeface="Times New Roman" panose="02020603050405020304" pitchFamily="18" charset="0"/>
+                <a:latin typeface="Segoe UI Black" panose="020B0A02040204020203" pitchFamily="34" charset="0"/>
                 <a:cs typeface="Times New Roman" panose="02020603050405020304" pitchFamily="18" charset="0"/>
               </a:rPr>
-              <a:t>Điều khiển nguồn ngoài Vext (Vext control</a:t>
-            </a:r>
-            <a:r>
-              <a:rPr lang="en-US" sz="2400" dirty="0" smtClean="0">
-                <a:latin typeface="Times New Roman" panose="02020603050405020304" pitchFamily="18" charset="0"/>
-                <a:cs typeface="Times New Roman" panose="02020603050405020304" pitchFamily="18" charset="0"/>
-              </a:rPr>
-              <a:t>)</a:t>
-            </a:r>
-            <a:r>
-              <a:rPr lang="en-US" sz="2400" dirty="0">
-                <a:latin typeface="Times New Roman" panose="02020603050405020304" pitchFamily="18" charset="0"/>
-                <a:cs typeface="Times New Roman" panose="02020603050405020304" pitchFamily="18" charset="0"/>
-              </a:rPr>
-              <a:t> </a:t>
-            </a:r>
-            <a:endParaRPr lang="en-US" sz="2400" dirty="0" smtClean="0">
-              <a:latin typeface="Times New Roman" panose="02020603050405020304" pitchFamily="18" charset="0"/>
-              <a:cs typeface="Times New Roman" panose="02020603050405020304" pitchFamily="18" charset="0"/>
-            </a:endParaRPr>
+              <a:t>Điều khiển nguồn ngoài Vext (Vext control) </a:t>
+            </a:r>
           </a:p>
           <a:p>
             <a:pPr marL="342900" indent="-342900">
@@ -3863,18 +3766,11 @@
               <a:buChar char="•"/>
             </a:pPr>
             <a:r>
-              <a:rPr lang="en-US" sz="2400" dirty="0" smtClean="0">
-                <a:latin typeface="Times New Roman" panose="02020603050405020304" pitchFamily="18" charset="0"/>
+              <a:rPr lang="en-US" sz="2400" dirty="0">
+                <a:latin typeface="Segoe UI Black" panose="020B0A02040204020203" pitchFamily="34" charset="0"/>
                 <a:cs typeface="Times New Roman" panose="02020603050405020304" pitchFamily="18" charset="0"/>
               </a:rPr>
-              <a:t>Giao </a:t>
-            </a:r>
-            <a:r>
-              <a:rPr lang="en-US" sz="2400" dirty="0">
-                <a:latin typeface="Times New Roman" panose="02020603050405020304" pitchFamily="18" charset="0"/>
-                <a:cs typeface="Times New Roman" panose="02020603050405020304" pitchFamily="18" charset="0"/>
-              </a:rPr>
-              <a:t>tiếp UART</a:t>
+              <a:t>Giao tiếp UART</a:t>
             </a:r>
           </a:p>
           <a:p>
@@ -3884,22 +3780,11 @@
             </a:pPr>
             <a:r>
               <a:rPr lang="en-US" sz="2400" dirty="0">
-                <a:latin typeface="Times New Roman" panose="02020603050405020304" pitchFamily="18" charset="0"/>
+                <a:latin typeface="Segoe UI Black" panose="020B0A02040204020203" pitchFamily="34" charset="0"/>
                 <a:cs typeface="Times New Roman" panose="02020603050405020304" pitchFamily="18" charset="0"/>
               </a:rPr>
-              <a:t>Gồm có 4 </a:t>
-            </a:r>
-            <a:r>
-              <a:rPr lang="en-US" sz="2400" dirty="0" smtClean="0">
-                <a:latin typeface="Times New Roman" panose="02020603050405020304" pitchFamily="18" charset="0"/>
-                <a:cs typeface="Times New Roman" panose="02020603050405020304" pitchFamily="18" charset="0"/>
-              </a:rPr>
-              <a:t>chân (2 chân TX, 2 chân RX).</a:t>
-            </a:r>
-            <a:endParaRPr lang="en-US" sz="2400" dirty="0">
-              <a:latin typeface="Times New Roman" panose="02020603050405020304" pitchFamily="18" charset="0"/>
-              <a:cs typeface="Times New Roman" panose="02020603050405020304" pitchFamily="18" charset="0"/>
-            </a:endParaRPr>
+              <a:t>Gồm có 4 chân (2 chân TX, 2 chân RX).</a:t>
+            </a:r>
           </a:p>
           <a:p>
             <a:pPr marL="800100" lvl="1" indent="-342900">
@@ -3908,22 +3793,11 @@
             </a:pPr>
             <a:r>
               <a:rPr lang="en-US" sz="2400" dirty="0">
-                <a:latin typeface="Times New Roman" panose="02020603050405020304" pitchFamily="18" charset="0"/>
+                <a:latin typeface="Segoe UI Black" panose="020B0A02040204020203" pitchFamily="34" charset="0"/>
                 <a:cs typeface="Times New Roman" panose="02020603050405020304" pitchFamily="18" charset="0"/>
               </a:rPr>
-              <a:t>Được chia làm 2 </a:t>
-            </a:r>
-            <a:r>
-              <a:rPr lang="en-US" sz="2400" dirty="0" smtClean="0">
-                <a:latin typeface="Times New Roman" panose="02020603050405020304" pitchFamily="18" charset="0"/>
-                <a:cs typeface="Times New Roman" panose="02020603050405020304" pitchFamily="18" charset="0"/>
-              </a:rPr>
-              <a:t>kênh (U0,U2) .</a:t>
-            </a:r>
-            <a:endParaRPr lang="en-US" sz="2400" dirty="0">
-              <a:latin typeface="Times New Roman" panose="02020603050405020304" pitchFamily="18" charset="0"/>
-              <a:cs typeface="Times New Roman" panose="02020603050405020304" pitchFamily="18" charset="0"/>
-            </a:endParaRPr>
+              <a:t>Được chia làm 2 kênh (U0,U2) .</a:t>
+            </a:r>
           </a:p>
           <a:p>
             <a:pPr marL="342900" indent="-342900">
@@ -3932,7 +3806,7 @@
             </a:pPr>
             <a:r>
               <a:rPr lang="en-US" sz="2400" dirty="0">
-                <a:latin typeface="Times New Roman" panose="02020603050405020304" pitchFamily="18" charset="0"/>
+                <a:latin typeface="Segoe UI Black" panose="020B0A02040204020203" pitchFamily="34" charset="0"/>
                 <a:cs typeface="Times New Roman" panose="02020603050405020304" pitchFamily="18" charset="0"/>
               </a:rPr>
               <a:t>Giao tiếp I2C</a:t>
@@ -3945,7 +3819,7 @@
             </a:pPr>
             <a:r>
               <a:rPr lang="en-US" sz="2400" dirty="0">
-                <a:latin typeface="Times New Roman" panose="02020603050405020304" pitchFamily="18" charset="0"/>
+                <a:latin typeface="Segoe UI Black" panose="020B0A02040204020203" pitchFamily="34" charset="0"/>
                 <a:cs typeface="Times New Roman" panose="02020603050405020304" pitchFamily="18" charset="0"/>
               </a:rPr>
               <a:t>Gồm có 2 chân</a:t>
@@ -3958,7 +3832,7 @@
             </a:pPr>
             <a:r>
               <a:rPr lang="en-US" sz="2400" dirty="0">
-                <a:latin typeface="Times New Roman" panose="02020603050405020304" pitchFamily="18" charset="0"/>
+                <a:latin typeface="Segoe UI Black" panose="020B0A02040204020203" pitchFamily="34" charset="0"/>
                 <a:cs typeface="Times New Roman" panose="02020603050405020304" pitchFamily="18" charset="0"/>
               </a:rPr>
               <a:t>SCL (22), SDA (21)</a:t>
@@ -3970,7 +3844,7 @@
               <a:buChar char="•"/>
             </a:pPr>
             <a:endParaRPr lang="en-US" sz="2400" dirty="0">
-              <a:latin typeface="Times New Roman" panose="02020603050405020304" pitchFamily="18" charset="0"/>
+              <a:latin typeface="Segoe UI Black" panose="020B0A02040204020203" pitchFamily="34" charset="0"/>
               <a:cs typeface="Times New Roman" panose="02020603050405020304" pitchFamily="18" charset="0"/>
             </a:endParaRPr>
           </a:p>
@@ -3988,8 +3862,8 @@
         </p:nvSpPr>
         <p:spPr>
           <a:xfrm>
-            <a:off x="1971675" y="571487"/>
-            <a:ext cx="7690952" cy="590931"/>
+            <a:off x="1971675" y="613037"/>
+            <a:ext cx="6606296" cy="507831"/>
           </a:xfrm>
           <a:prstGeom prst="rect">
             <a:avLst/>
@@ -4003,7 +3877,7 @@
           <a:lstStyle/>
           <a:p>
             <a:r>
-              <a:rPr lang="en-US" sz="3600" b="1" dirty="0">
+              <a:rPr lang="en-US" sz="3000" b="1" dirty="0">
                 <a:solidFill>
                   <a:srgbClr val="FF0000"/>
                 </a:solidFill>
@@ -4014,7 +3888,7 @@
                     </a:srgbClr>
                   </a:outerShdw>
                 </a:effectLst>
-                <a:latin typeface="Times New Roman" panose="02020603050405020304" pitchFamily="18" charset="0"/>
+                <a:latin typeface="Segoe UI Black" panose="020B0A02040204020203" pitchFamily="34" charset="0"/>
                 <a:cs typeface="Times New Roman" panose="02020603050405020304" pitchFamily="18" charset="0"/>
               </a:rPr>
               <a:t>1.7 ON BROAD COMMUNICATION</a:t>
@@ -4663,6 +4537,20 @@
             <a:avLst/>
           </a:prstGeom>
         </p:spPr>
+        <p:style>
+          <a:lnRef idx="2">
+            <a:schemeClr val="dk1"/>
+          </a:lnRef>
+          <a:fillRef idx="1">
+            <a:schemeClr val="lt1"/>
+          </a:fillRef>
+          <a:effectRef idx="0">
+            <a:schemeClr val="dk1"/>
+          </a:effectRef>
+          <a:fontRef idx="minor">
+            <a:schemeClr val="dk1"/>
+          </a:fontRef>
+        </p:style>
         <p:txBody>
           <a:bodyPr wrap="none">
             <a:prstTxWarp prst="textWave1">
@@ -4674,81 +4562,38 @@
           <a:p>
             <a:pPr algn="ctr"/>
             <a:r>
-              <a:rPr lang="en-US" sz="6000" b="1" dirty="0">
-                <a:ln w="22225">
-                  <a:solidFill>
-                    <a:schemeClr val="accent2"/>
-                  </a:solidFill>
-                  <a:prstDash val="solid"/>
-                </a:ln>
-                <a:solidFill>
-                  <a:schemeClr val="accent2">
-                    <a:lumMod val="40000"/>
-                    <a:lumOff val="60000"/>
-                  </a:schemeClr>
-                </a:solidFill>
-                <a:latin typeface="Times New Roman" panose="02020603050405020304" pitchFamily="18" charset="0"/>
+              <a:rPr lang="en-US" sz="6000" dirty="0">
+                <a:ln w="0"/>
+                <a:effectLst>
+                  <a:outerShdw blurRad="38100" dist="19050" dir="2700000" algn="tl" rotWithShape="0">
+                    <a:schemeClr val="dk1">
+                      <a:alpha val="40000"/>
+                    </a:schemeClr>
+                  </a:outerShdw>
+                </a:effectLst>
+                <a:latin typeface="Segoe UI Black" panose="020B0A02040204020203" pitchFamily="34" charset="0"/>
                 <a:cs typeface="Times New Roman" panose="02020603050405020304" pitchFamily="18" charset="0"/>
               </a:rPr>
-              <a:t>PART </a:t>
-            </a:r>
-            <a:r>
-              <a:rPr lang="en-US" sz="6000" b="1" dirty="0" smtClean="0">
-                <a:ln w="22225">
-                  <a:solidFill>
-                    <a:schemeClr val="accent2"/>
-                  </a:solidFill>
-                  <a:prstDash val="solid"/>
-                </a:ln>
-                <a:solidFill>
-                  <a:schemeClr val="accent2">
-                    <a:lumMod val="40000"/>
-                    <a:lumOff val="60000"/>
-                  </a:schemeClr>
-                </a:solidFill>
-                <a:latin typeface="Times New Roman" panose="02020603050405020304" pitchFamily="18" charset="0"/>
-                <a:cs typeface="Times New Roman" panose="02020603050405020304" pitchFamily="18" charset="0"/>
-              </a:rPr>
-              <a:t>2: </a:t>
+              <a:t>PART 2: </a:t>
             </a:r>
           </a:p>
           <a:p>
             <a:pPr algn="ctr"/>
             <a:r>
-              <a:rPr lang="en-US" sz="6000" b="1" dirty="0" smtClean="0">
-                <a:ln w="22225">
-                  <a:solidFill>
-                    <a:schemeClr val="accent2"/>
-                  </a:solidFill>
-                  <a:prstDash val="solid"/>
-                </a:ln>
-                <a:solidFill>
-                  <a:schemeClr val="accent2">
-                    <a:lumMod val="40000"/>
-                    <a:lumOff val="60000"/>
-                  </a:schemeClr>
-                </a:solidFill>
-                <a:latin typeface="Times New Roman" panose="02020603050405020304" pitchFamily="18" charset="0"/>
+              <a:rPr lang="en-US" sz="6000" dirty="0">
+                <a:ln w="0"/>
+                <a:effectLst>
+                  <a:outerShdw blurRad="38100" dist="19050" dir="2700000" algn="tl" rotWithShape="0">
+                    <a:schemeClr val="dk1">
+                      <a:alpha val="40000"/>
+                    </a:schemeClr>
+                  </a:outerShdw>
+                </a:effectLst>
+                <a:latin typeface="Segoe UI Black" panose="020B0A02040204020203" pitchFamily="34" charset="0"/>
                 <a:cs typeface="Times New Roman" panose="02020603050405020304" pitchFamily="18" charset="0"/>
               </a:rPr>
               <a:t>SCHEMATIC</a:t>
             </a:r>
-            <a:endParaRPr lang="en-US" sz="6000" b="1" dirty="0">
-              <a:ln w="22225">
-                <a:solidFill>
-                  <a:schemeClr val="accent2"/>
-                </a:solidFill>
-                <a:prstDash val="solid"/>
-              </a:ln>
-              <a:solidFill>
-                <a:schemeClr val="accent2">
-                  <a:lumMod val="40000"/>
-                  <a:lumOff val="60000"/>
-                </a:schemeClr>
-              </a:solidFill>
-              <a:latin typeface="Times New Roman" panose="02020603050405020304" pitchFamily="18" charset="0"/>
-              <a:cs typeface="Times New Roman" panose="02020603050405020304" pitchFamily="18" charset="0"/>
-            </a:endParaRPr>
           </a:p>
         </p:txBody>
       </p:sp>
@@ -4762,13 +4607,6 @@
   <p:clrMapOvr>
     <a:masterClrMapping/>
   </p:clrMapOvr>
-  <p:timing>
-    <p:tnLst>
-      <p:par>
-        <p:cTn id="1" dur="indefinite" restart="never" nodeType="tmRoot"/>
-      </p:par>
-    </p:tnLst>
-  </p:timing>
 </p:sld>
 </file>
 
@@ -4805,7 +4643,7 @@
           <a:lstStyle/>
           <a:p>
             <a:r>
-              <a:rPr lang="en-US" b="1" dirty="0">
+              <a:rPr lang="en-US" sz="3000" b="1" dirty="0">
                 <a:solidFill>
                   <a:srgbClr val="FF0000"/>
                 </a:solidFill>
@@ -4816,42 +4654,11 @@
                     </a:srgbClr>
                   </a:outerShdw>
                 </a:effectLst>
-                <a:latin typeface="Times New Roman" panose="02020603050405020304" pitchFamily="18" charset="0"/>
+                <a:latin typeface="Segoe UI Black" panose="020B0A02040204020203" pitchFamily="34" charset="0"/>
                 <a:cs typeface="Times New Roman" panose="02020603050405020304" pitchFamily="18" charset="0"/>
               </a:rPr>
-              <a:t>2</a:t>
-            </a:r>
-            <a:r>
-              <a:rPr lang="en-US" b="1" dirty="0" smtClean="0">
-                <a:solidFill>
-                  <a:srgbClr val="FF0000"/>
-                </a:solidFill>
-                <a:effectLst>
-                  <a:outerShdw blurRad="38100" dist="38100" dir="2700000" algn="tl">
-                    <a:srgbClr val="000000">
-                      <a:alpha val="43137"/>
-                    </a:srgbClr>
-                  </a:outerShdw>
-                </a:effectLst>
-                <a:latin typeface="Times New Roman" panose="02020603050405020304" pitchFamily="18" charset="0"/>
-                <a:cs typeface="Times New Roman" panose="02020603050405020304" pitchFamily="18" charset="0"/>
-              </a:rPr>
-              <a:t>.1 BROAD’S CHEMATIC</a:t>
-            </a:r>
-            <a:endParaRPr lang="en-US" b="1" dirty="0">
-              <a:solidFill>
-                <a:srgbClr val="FF0000"/>
-              </a:solidFill>
-              <a:effectLst>
-                <a:outerShdw blurRad="38100" dist="38100" dir="2700000" algn="tl">
-                  <a:srgbClr val="000000">
-                    <a:alpha val="43137"/>
-                  </a:srgbClr>
-                </a:outerShdw>
-              </a:effectLst>
-              <a:latin typeface="Times New Roman" panose="02020603050405020304" pitchFamily="18" charset="0"/>
-              <a:cs typeface="Times New Roman" panose="02020603050405020304" pitchFamily="18" charset="0"/>
-            </a:endParaRPr>
+              <a:t>2.1 BROAD’S CHEMATIC</a:t>
+            </a:r>
           </a:p>
         </p:txBody>
       </p:sp>
@@ -4889,13 +4696,6 @@
   <p:clrMapOvr>
     <a:masterClrMapping/>
   </p:clrMapOvr>
-  <p:timing>
-    <p:tnLst>
-      <p:par>
-        <p:cTn id="1" dur="indefinite" restart="never" nodeType="tmRoot"/>
-      </p:par>
-    </p:tnLst>
-  </p:timing>
 </p:sld>
 </file>
 
@@ -4928,8 +4728,8 @@
         </p:nvSpPr>
         <p:spPr>
           <a:xfrm>
-            <a:off x="1971675" y="571487"/>
-            <a:ext cx="4557658" cy="590931"/>
+            <a:off x="1971675" y="613037"/>
+            <a:ext cx="3760966" cy="507831"/>
           </a:xfrm>
           <a:prstGeom prst="rect">
             <a:avLst/>
@@ -4943,7 +4743,7 @@
           <a:lstStyle/>
           <a:p>
             <a:r>
-              <a:rPr lang="en-US" sz="3600" b="1" dirty="0" smtClean="0">
+              <a:rPr lang="en-US" sz="3000" b="1" dirty="0">
                 <a:solidFill>
                   <a:srgbClr val="FF0000"/>
                 </a:solidFill>
@@ -4954,25 +4754,11 @@
                     </a:srgbClr>
                   </a:outerShdw>
                 </a:effectLst>
-                <a:latin typeface="Times New Roman" panose="02020603050405020304" pitchFamily="18" charset="0"/>
+                <a:latin typeface="Segoe UI Black" panose="020B0A02040204020203" pitchFamily="34" charset="0"/>
                 <a:cs typeface="Times New Roman" panose="02020603050405020304" pitchFamily="18" charset="0"/>
               </a:rPr>
               <a:t>2.2 RECIVE SIGNAL</a:t>
             </a:r>
-            <a:endParaRPr lang="en-US" sz="3600" b="1" dirty="0">
-              <a:solidFill>
-                <a:srgbClr val="FF0000"/>
-              </a:solidFill>
-              <a:effectLst>
-                <a:outerShdw blurRad="38100" dist="38100" dir="2700000" algn="tl">
-                  <a:srgbClr val="000000">
-                    <a:alpha val="43137"/>
-                  </a:srgbClr>
-                </a:outerShdw>
-              </a:effectLst>
-              <a:latin typeface="Times New Roman" panose="02020603050405020304" pitchFamily="18" charset="0"/>
-              <a:cs typeface="Times New Roman" panose="02020603050405020304" pitchFamily="18" charset="0"/>
-            </a:endParaRPr>
           </a:p>
         </p:txBody>
       </p:sp>
@@ -5003,8 +4789,8 @@
               <a:buChar char="•"/>
             </a:pPr>
             <a:r>
-              <a:rPr lang="en-US" sz="2400" dirty="0" smtClean="0">
-                <a:latin typeface="Times New Roman" panose="02020603050405020304" pitchFamily="18" charset="0"/>
+              <a:rPr lang="en-US" sz="2400" dirty="0">
+                <a:latin typeface="Segoe UI Black" panose="020B0A02040204020203" pitchFamily="34" charset="0"/>
                 <a:cs typeface="Times New Roman" panose="02020603050405020304" pitchFamily="18" charset="0"/>
               </a:rPr>
               <a:t>Nguồn:</a:t>
@@ -5016,8 +4802,8 @@
               <a:buChar char="Ø"/>
             </a:pPr>
             <a:r>
-              <a:rPr lang="en-US" sz="2200" dirty="0" smtClean="0">
-                <a:latin typeface="Times New Roman" panose="02020603050405020304" pitchFamily="18" charset="0"/>
+              <a:rPr lang="en-US" sz="2200" dirty="0">
+                <a:latin typeface="Segoe UI Black" panose="020B0A02040204020203" pitchFamily="34" charset="0"/>
                 <a:cs typeface="Times New Roman" panose="02020603050405020304" pitchFamily="18" charset="0"/>
               </a:rPr>
               <a:t>Khi có kết nối USB lấy nguồn trực tiếp từ USB tạo thành nguồn 5V qua IC CE6260 để hạ áp xuống để có nguồn 3.3V</a:t>
@@ -5029,16 +4815,12 @@
               <a:buChar char="Ø"/>
             </a:pPr>
             <a:r>
-              <a:rPr lang="en-US" sz="2200" dirty="0" smtClean="0">
-                <a:latin typeface="Times New Roman" panose="02020603050405020304" pitchFamily="18" charset="0"/>
+              <a:rPr lang="en-US" sz="2200" dirty="0">
+                <a:latin typeface="Segoe UI Black" panose="020B0A02040204020203" pitchFamily="34" charset="0"/>
                 <a:cs typeface="Times New Roman" panose="02020603050405020304" pitchFamily="18" charset="0"/>
               </a:rPr>
               <a:t>Khi không kết nối USB tích cực transistor nên mạch lấy nguồn từ pin của IC TP4054 cấp cho Broad</a:t>
             </a:r>
-            <a:endParaRPr lang="en-US" sz="2200" dirty="0">
-              <a:latin typeface="Times New Roman" panose="02020603050405020304" pitchFamily="18" charset="0"/>
-              <a:cs typeface="Times New Roman" panose="02020603050405020304" pitchFamily="18" charset="0"/>
-            </a:endParaRPr>
           </a:p>
           <a:p>
             <a:pPr marL="342900" indent="-342900">
@@ -5046,8 +4828,8 @@
               <a:buChar char="•"/>
             </a:pPr>
             <a:r>
-              <a:rPr lang="en-US" sz="2400" dirty="0" smtClean="0">
-                <a:latin typeface="Times New Roman" panose="02020603050405020304" pitchFamily="18" charset="0"/>
+              <a:rPr lang="en-US" sz="2400" dirty="0">
+                <a:latin typeface="Segoe UI Black" panose="020B0A02040204020203" pitchFamily="34" charset="0"/>
                 <a:cs typeface="Times New Roman" panose="02020603050405020304" pitchFamily="18" charset="0"/>
               </a:rPr>
               <a:t>Tín hiệu:</a:t>
@@ -5059,8 +4841,8 @@
               <a:buChar char="Ø"/>
             </a:pPr>
             <a:r>
-              <a:rPr lang="en-US" sz="2200" dirty="0" smtClean="0">
-                <a:latin typeface="Times New Roman" panose="02020603050405020304" pitchFamily="18" charset="0"/>
+              <a:rPr lang="en-US" sz="2200" dirty="0">
+                <a:latin typeface="Segoe UI Black" panose="020B0A02040204020203" pitchFamily="34" charset="0"/>
                 <a:cs typeface="Times New Roman" panose="02020603050405020304" pitchFamily="18" charset="0"/>
               </a:rPr>
               <a:t>Nhận tín hiệu từ USB là D+ và D- của USB</a:t>
@@ -5448,8 +5230,8 @@
         </p:nvSpPr>
         <p:spPr>
           <a:xfrm>
-            <a:off x="1971675" y="571487"/>
-            <a:ext cx="4557658" cy="590931"/>
+            <a:off x="1971675" y="613037"/>
+            <a:ext cx="3760966" cy="507831"/>
           </a:xfrm>
           <a:prstGeom prst="rect">
             <a:avLst/>
@@ -5463,7 +5245,7 @@
           <a:lstStyle/>
           <a:p>
             <a:r>
-              <a:rPr lang="en-US" sz="3600" b="1" dirty="0" smtClean="0">
+              <a:rPr lang="en-US" sz="3000" b="1" dirty="0">
                 <a:solidFill>
                   <a:srgbClr val="FF0000"/>
                 </a:solidFill>
@@ -5474,25 +5256,11 @@
                     </a:srgbClr>
                   </a:outerShdw>
                 </a:effectLst>
-                <a:latin typeface="Times New Roman" panose="02020603050405020304" pitchFamily="18" charset="0"/>
+                <a:latin typeface="Segoe UI Black" panose="020B0A02040204020203" pitchFamily="34" charset="0"/>
                 <a:cs typeface="Times New Roman" panose="02020603050405020304" pitchFamily="18" charset="0"/>
               </a:rPr>
               <a:t>2.2 RECIVE SIGNAL</a:t>
             </a:r>
-            <a:endParaRPr lang="en-US" sz="3600" b="1" dirty="0">
-              <a:solidFill>
-                <a:srgbClr val="FF0000"/>
-              </a:solidFill>
-              <a:effectLst>
-                <a:outerShdw blurRad="38100" dist="38100" dir="2700000" algn="tl">
-                  <a:srgbClr val="000000">
-                    <a:alpha val="43137"/>
-                  </a:srgbClr>
-                </a:outerShdw>
-              </a:effectLst>
-              <a:latin typeface="Times New Roman" panose="02020603050405020304" pitchFamily="18" charset="0"/>
-              <a:cs typeface="Times New Roman" panose="02020603050405020304" pitchFamily="18" charset="0"/>
-            </a:endParaRPr>
           </a:p>
         </p:txBody>
       </p:sp>
@@ -5701,8 +5469,8 @@
         </p:nvSpPr>
         <p:spPr>
           <a:xfrm>
-            <a:off x="1971675" y="571487"/>
-            <a:ext cx="7182672" cy="590931"/>
+            <a:off x="1971675" y="613037"/>
+            <a:ext cx="6178294" cy="507831"/>
           </a:xfrm>
           <a:prstGeom prst="rect">
             <a:avLst/>
@@ -5716,7 +5484,7 @@
           <a:lstStyle/>
           <a:p>
             <a:r>
-              <a:rPr lang="en-US" sz="3600" b="1" dirty="0" smtClean="0">
+              <a:rPr lang="en-US" sz="3000" b="1" dirty="0">
                 <a:solidFill>
                   <a:srgbClr val="FF0000"/>
                 </a:solidFill>
@@ -5727,59 +5495,11 @@
                     </a:srgbClr>
                   </a:outerShdw>
                 </a:effectLst>
-                <a:latin typeface="Times New Roman" panose="02020603050405020304" pitchFamily="18" charset="0"/>
+                <a:latin typeface="Segoe UI Black" panose="020B0A02040204020203" pitchFamily="34" charset="0"/>
                 <a:cs typeface="Times New Roman" panose="02020603050405020304" pitchFamily="18" charset="0"/>
               </a:rPr>
-              <a:t>2.3 </a:t>
-            </a:r>
-            <a:r>
-              <a:rPr lang="en-US" sz="3600" b="1" dirty="0">
-                <a:solidFill>
-                  <a:srgbClr val="FF0000"/>
-                </a:solidFill>
-                <a:effectLst>
-                  <a:outerShdw blurRad="38100" dist="38100" dir="2700000" algn="tl">
-                    <a:srgbClr val="000000">
-                      <a:alpha val="43137"/>
-                    </a:srgbClr>
-                  </a:outerShdw>
-                </a:effectLst>
-                <a:latin typeface="Times New Roman" panose="02020603050405020304" pitchFamily="18" charset="0"/>
-                <a:cs typeface="Times New Roman" panose="02020603050405020304" pitchFamily="18" charset="0"/>
-              </a:rPr>
-              <a:t>SIGNAL </a:t>
-            </a:r>
-            <a:r>
-              <a:rPr lang="en-US" sz="3600" b="1" dirty="0" smtClean="0">
-                <a:solidFill>
-                  <a:srgbClr val="FF0000"/>
-                </a:solidFill>
-                <a:effectLst>
-                  <a:outerShdw blurRad="38100" dist="38100" dir="2700000" algn="tl">
-                    <a:srgbClr val="000000">
-                      <a:alpha val="43137"/>
-                    </a:srgbClr>
-                  </a:outerShdw>
-                </a:effectLst>
-                <a:latin typeface="Times New Roman" panose="02020603050405020304" pitchFamily="18" charset="0"/>
-                <a:cs typeface="Times New Roman" panose="02020603050405020304" pitchFamily="18" charset="0"/>
-              </a:rPr>
-              <a:t>TRANSFORMATION</a:t>
-            </a:r>
-            <a:endParaRPr lang="en-US" sz="3600" b="1" dirty="0">
-              <a:solidFill>
-                <a:srgbClr val="FF0000"/>
-              </a:solidFill>
-              <a:effectLst>
-                <a:outerShdw blurRad="38100" dist="38100" dir="2700000" algn="tl">
-                  <a:srgbClr val="000000">
-                    <a:alpha val="43137"/>
-                  </a:srgbClr>
-                </a:outerShdw>
-              </a:effectLst>
-              <a:latin typeface="Times New Roman" panose="02020603050405020304" pitchFamily="18" charset="0"/>
-              <a:cs typeface="Times New Roman" panose="02020603050405020304" pitchFamily="18" charset="0"/>
-            </a:endParaRPr>
+              <a:t>2.3 SIGNAL TRANSFORMATION</a:t>
+            </a:r>
           </a:p>
         </p:txBody>
       </p:sp>
@@ -5810,14 +5530,14 @@
               <a:buChar char="•"/>
             </a:pPr>
             <a:r>
-              <a:rPr lang="en-US" sz="2400" dirty="0" smtClean="0">
-                <a:latin typeface="Times New Roman" panose="02020603050405020304" pitchFamily="18" charset="0"/>
+              <a:rPr lang="en-US" sz="2400" dirty="0">
+                <a:latin typeface="Segoe UI Black" panose="020B0A02040204020203" pitchFamily="34" charset="0"/>
                 <a:cs typeface="Times New Roman" panose="02020603050405020304" pitchFamily="18" charset="0"/>
               </a:rPr>
               <a:t>Mạch chuyển từ tín hiệu USB là D+ D- (DP, DN) sang tín hiệu UART (Tx, Rx) nhờ vào IC CP2102. </a:t>
             </a:r>
-            <a:endParaRPr lang="en-US" sz="2200" dirty="0" smtClean="0">
-              <a:latin typeface="Times New Roman" panose="02020603050405020304" pitchFamily="18" charset="0"/>
+            <a:endParaRPr lang="en-US" sz="2200" dirty="0">
+              <a:latin typeface="Segoe UI Black" panose="020B0A02040204020203" pitchFamily="34" charset="0"/>
               <a:cs typeface="Times New Roman" panose="02020603050405020304" pitchFamily="18" charset="0"/>
             </a:endParaRPr>
           </a:p>
@@ -6090,8 +5810,8 @@
         </p:nvSpPr>
         <p:spPr>
           <a:xfrm>
-            <a:off x="1971675" y="571487"/>
-            <a:ext cx="5737661" cy="590931"/>
+            <a:off x="1971675" y="613037"/>
+            <a:ext cx="4863832" cy="507831"/>
           </a:xfrm>
           <a:prstGeom prst="rect">
             <a:avLst/>
@@ -6105,7 +5825,7 @@
           <a:lstStyle/>
           <a:p>
             <a:r>
-              <a:rPr lang="en-US" sz="3600" b="1" dirty="0" smtClean="0">
+              <a:rPr lang="en-US" sz="3000" b="1" dirty="0">
                 <a:solidFill>
                   <a:srgbClr val="FF0000"/>
                 </a:solidFill>
@@ -6116,59 +5836,11 @@
                     </a:srgbClr>
                   </a:outerShdw>
                 </a:effectLst>
-                <a:latin typeface="Times New Roman" panose="02020603050405020304" pitchFamily="18" charset="0"/>
+                <a:latin typeface="Segoe UI Black" panose="020B0A02040204020203" pitchFamily="34" charset="0"/>
                 <a:cs typeface="Times New Roman" panose="02020603050405020304" pitchFamily="18" charset="0"/>
               </a:rPr>
-              <a:t>2.4 </a:t>
-            </a:r>
-            <a:r>
-              <a:rPr lang="en-US" sz="3600" b="1" dirty="0">
-                <a:solidFill>
-                  <a:srgbClr val="FF0000"/>
-                </a:solidFill>
-                <a:effectLst>
-                  <a:outerShdw blurRad="38100" dist="38100" dir="2700000" algn="tl">
-                    <a:srgbClr val="000000">
-                      <a:alpha val="43137"/>
-                    </a:srgbClr>
-                  </a:outerShdw>
-                </a:effectLst>
-                <a:latin typeface="Times New Roman" panose="02020603050405020304" pitchFamily="18" charset="0"/>
-                <a:cs typeface="Times New Roman" panose="02020603050405020304" pitchFamily="18" charset="0"/>
-              </a:rPr>
-              <a:t>SIGNAL </a:t>
-            </a:r>
-            <a:r>
-              <a:rPr lang="en-US" sz="3600" b="1" dirty="0" smtClean="0">
-                <a:solidFill>
-                  <a:srgbClr val="FF0000"/>
-                </a:solidFill>
-                <a:effectLst>
-                  <a:outerShdw blurRad="38100" dist="38100" dir="2700000" algn="tl">
-                    <a:srgbClr val="000000">
-                      <a:alpha val="43137"/>
-                    </a:srgbClr>
-                  </a:outerShdw>
-                </a:effectLst>
-                <a:latin typeface="Times New Roman" panose="02020603050405020304" pitchFamily="18" charset="0"/>
-                <a:cs typeface="Times New Roman" panose="02020603050405020304" pitchFamily="18" charset="0"/>
-              </a:rPr>
-              <a:t>PROCESSING</a:t>
-            </a:r>
-            <a:endParaRPr lang="en-US" sz="3600" b="1" dirty="0">
-              <a:solidFill>
-                <a:srgbClr val="FF0000"/>
-              </a:solidFill>
-              <a:effectLst>
-                <a:outerShdw blurRad="38100" dist="38100" dir="2700000" algn="tl">
-                  <a:srgbClr val="000000">
-                    <a:alpha val="43137"/>
-                  </a:srgbClr>
-                </a:outerShdw>
-              </a:effectLst>
-              <a:latin typeface="Times New Roman" panose="02020603050405020304" pitchFamily="18" charset="0"/>
-              <a:cs typeface="Times New Roman" panose="02020603050405020304" pitchFamily="18" charset="0"/>
-            </a:endParaRPr>
+              <a:t>2.4 SIGNAL PROCESSING</a:t>
+            </a:r>
           </a:p>
         </p:txBody>
       </p:sp>
@@ -6199,14 +5871,14 @@
               <a:buChar char="•"/>
             </a:pPr>
             <a:r>
-              <a:rPr lang="en-US" sz="2400" dirty="0" smtClean="0">
-                <a:latin typeface="Times New Roman" panose="02020603050405020304" pitchFamily="18" charset="0"/>
+              <a:rPr lang="en-US" sz="2400" dirty="0">
+                <a:latin typeface="Segoe UI Black" panose="020B0A02040204020203" pitchFamily="34" charset="0"/>
                 <a:cs typeface="Times New Roman" panose="02020603050405020304" pitchFamily="18" charset="0"/>
               </a:rPr>
               <a:t>ESP32 nhận tín hiệu UART từ CP2102 để nhận tín hiệu sau đó chuyển vào Flash (IC W25Q64) </a:t>
             </a:r>
-            <a:endParaRPr lang="en-US" sz="2200" dirty="0" smtClean="0">
-              <a:latin typeface="Times New Roman" panose="02020603050405020304" pitchFamily="18" charset="0"/>
+            <a:endParaRPr lang="en-US" sz="2200" dirty="0">
+              <a:latin typeface="Segoe UI Black" panose="020B0A02040204020203" pitchFamily="34" charset="0"/>
               <a:cs typeface="Times New Roman" panose="02020603050405020304" pitchFamily="18" charset="0"/>
             </a:endParaRPr>
           </a:p>
@@ -6548,8 +6220,8 @@
         </p:nvSpPr>
         <p:spPr>
           <a:xfrm>
-            <a:off x="1971675" y="571487"/>
-            <a:ext cx="5737661" cy="590931"/>
+            <a:off x="1971675" y="613037"/>
+            <a:ext cx="4863832" cy="507831"/>
           </a:xfrm>
           <a:prstGeom prst="rect">
             <a:avLst/>
@@ -6563,7 +6235,7 @@
           <a:lstStyle/>
           <a:p>
             <a:r>
-              <a:rPr lang="en-US" sz="3600" b="1" dirty="0" smtClean="0">
+              <a:rPr lang="en-US" sz="3000" b="1" dirty="0">
                 <a:solidFill>
                   <a:srgbClr val="FF0000"/>
                 </a:solidFill>
@@ -6574,59 +6246,11 @@
                     </a:srgbClr>
                   </a:outerShdw>
                 </a:effectLst>
-                <a:latin typeface="Times New Roman" panose="02020603050405020304" pitchFamily="18" charset="0"/>
+                <a:latin typeface="Segoe UI Black" panose="020B0A02040204020203" pitchFamily="34" charset="0"/>
                 <a:cs typeface="Times New Roman" panose="02020603050405020304" pitchFamily="18" charset="0"/>
               </a:rPr>
-              <a:t>2.4 </a:t>
-            </a:r>
-            <a:r>
-              <a:rPr lang="en-US" sz="3600" b="1" dirty="0">
-                <a:solidFill>
-                  <a:srgbClr val="FF0000"/>
-                </a:solidFill>
-                <a:effectLst>
-                  <a:outerShdw blurRad="38100" dist="38100" dir="2700000" algn="tl">
-                    <a:srgbClr val="000000">
-                      <a:alpha val="43137"/>
-                    </a:srgbClr>
-                  </a:outerShdw>
-                </a:effectLst>
-                <a:latin typeface="Times New Roman" panose="02020603050405020304" pitchFamily="18" charset="0"/>
-                <a:cs typeface="Times New Roman" panose="02020603050405020304" pitchFamily="18" charset="0"/>
-              </a:rPr>
-              <a:t>SIGNAL </a:t>
-            </a:r>
-            <a:r>
-              <a:rPr lang="en-US" sz="3600" b="1" dirty="0" smtClean="0">
-                <a:solidFill>
-                  <a:srgbClr val="FF0000"/>
-                </a:solidFill>
-                <a:effectLst>
-                  <a:outerShdw blurRad="38100" dist="38100" dir="2700000" algn="tl">
-                    <a:srgbClr val="000000">
-                      <a:alpha val="43137"/>
-                    </a:srgbClr>
-                  </a:outerShdw>
-                </a:effectLst>
-                <a:latin typeface="Times New Roman" panose="02020603050405020304" pitchFamily="18" charset="0"/>
-                <a:cs typeface="Times New Roman" panose="02020603050405020304" pitchFamily="18" charset="0"/>
-              </a:rPr>
-              <a:t>PROCESSING</a:t>
-            </a:r>
-            <a:endParaRPr lang="en-US" sz="3600" b="1" dirty="0">
-              <a:solidFill>
-                <a:srgbClr val="FF0000"/>
-              </a:solidFill>
-              <a:effectLst>
-                <a:outerShdw blurRad="38100" dist="38100" dir="2700000" algn="tl">
-                  <a:srgbClr val="000000">
-                    <a:alpha val="43137"/>
-                  </a:srgbClr>
-                </a:outerShdw>
-              </a:effectLst>
-              <a:latin typeface="Times New Roman" panose="02020603050405020304" pitchFamily="18" charset="0"/>
-              <a:cs typeface="Times New Roman" panose="02020603050405020304" pitchFamily="18" charset="0"/>
-            </a:endParaRPr>
+              <a:t>2.4 SIGNAL PROCESSING</a:t>
+            </a:r>
           </a:p>
         </p:txBody>
       </p:sp>
@@ -6648,7 +6272,7 @@
         </p:spPr>
         <p:txBody>
           <a:bodyPr>
-            <a:normAutofit/>
+            <a:normAutofit fontScale="92500"/>
           </a:bodyPr>
           <a:lstStyle/>
           <a:p>
@@ -6657,8 +6281,8 @@
               <a:buChar char="•"/>
             </a:pPr>
             <a:r>
-              <a:rPr lang="en-US" sz="2400" dirty="0" smtClean="0">
-                <a:latin typeface="Times New Roman" panose="02020603050405020304" pitchFamily="18" charset="0"/>
+              <a:rPr lang="en-US" sz="2400" dirty="0">
+                <a:latin typeface="Segoe UI Black" panose="020B0A02040204020203" pitchFamily="34" charset="0"/>
                 <a:cs typeface="Times New Roman" panose="02020603050405020304" pitchFamily="18" charset="0"/>
               </a:rPr>
               <a:t>ESP32 truy xuất dữ liệu từ FLASH để thực hiện theo code.</a:t>
@@ -6670,8 +6294,8 @@
               <a:buChar char="•"/>
             </a:pPr>
             <a:r>
-              <a:rPr lang="en-US" sz="2400" dirty="0" smtClean="0">
-                <a:latin typeface="Times New Roman" panose="02020603050405020304" pitchFamily="18" charset="0"/>
+              <a:rPr lang="en-US" sz="2400" dirty="0">
+                <a:latin typeface="Segoe UI Black" panose="020B0A02040204020203" pitchFamily="34" charset="0"/>
                 <a:cs typeface="Times New Roman" panose="02020603050405020304" pitchFamily="18" charset="0"/>
               </a:rPr>
               <a:t>Giao tiếp với OLED qua giao thức I2C qua các cổng SDA, SCL, RST</a:t>
@@ -6682,8 +6306,8 @@
               <a:buFont typeface="Arial" panose="020B0604020202020204" pitchFamily="34" charset="0"/>
               <a:buChar char="•"/>
             </a:pPr>
-            <a:endParaRPr lang="en-US" sz="2200" dirty="0" smtClean="0">
-              <a:latin typeface="Times New Roman" panose="02020603050405020304" pitchFamily="18" charset="0"/>
+            <a:endParaRPr lang="en-US" sz="2200" dirty="0">
+              <a:latin typeface="Segoe UI Black" panose="020B0A02040204020203" pitchFamily="34" charset="0"/>
               <a:cs typeface="Times New Roman" panose="02020603050405020304" pitchFamily="18" charset="0"/>
             </a:endParaRPr>
           </a:p>
@@ -7003,7 +6627,7 @@
           <a:lstStyle/>
           <a:p>
             <a:endParaRPr lang="en-US" dirty="0">
-              <a:latin typeface="Times New Roman" panose="02020603050405020304" pitchFamily="18" charset="0"/>
+              <a:latin typeface="Segoe UI Black" panose="020B0A02040204020203" pitchFamily="34" charset="0"/>
               <a:cs typeface="Times New Roman" panose="02020603050405020304" pitchFamily="18" charset="0"/>
             </a:endParaRPr>
           </a:p>
@@ -7025,7 +6649,7 @@
           <a:lstStyle/>
           <a:p>
             <a:r>
-              <a:rPr lang="en-US" smtClean="0"/>
+              <a:rPr lang="en-US"/>
               <a:t>www.indruino.com</a:t>
             </a:r>
             <a:endParaRPr lang="en-US" dirty="0"/>
@@ -7041,7 +6665,7 @@
         <p:spPr>
           <a:xfrm>
             <a:off x="3960898" y="3046484"/>
-            <a:ext cx="3609474" cy="707886"/>
+            <a:ext cx="3609474" cy="1015663"/>
           </a:xfrm>
           <a:prstGeom prst="rect">
             <a:avLst/>
@@ -7067,11 +6691,11 @@
           <a:lstStyle/>
           <a:p>
             <a:r>
-              <a:rPr lang="en-US" sz="2000" dirty="0" smtClean="0">
+              <a:rPr lang="en-US" sz="2000" dirty="0">
                 <a:solidFill>
                   <a:schemeClr val="bg1"/>
                 </a:solidFill>
-                <a:latin typeface="Times New Roman" panose="02020603050405020304" pitchFamily="18" charset="0"/>
+                <a:latin typeface="Segoe UI Black" panose="020B0A02040204020203" pitchFamily="34" charset="0"/>
                 <a:cs typeface="Times New Roman" panose="02020603050405020304" pitchFamily="18" charset="0"/>
               </a:rPr>
               <a:t>Diễn giả: Nguyễn Hoàng Phúc</a:t>
@@ -7079,22 +6703,15 @@
           </a:p>
           <a:p>
             <a:r>
-              <a:rPr lang="en-US" sz="2000" dirty="0" smtClean="0">
+              <a:rPr lang="en-US" sz="2000" dirty="0">
                 <a:solidFill>
                   <a:schemeClr val="bg1"/>
                 </a:solidFill>
-                <a:latin typeface="Times New Roman" panose="02020603050405020304" pitchFamily="18" charset="0"/>
+                <a:latin typeface="Segoe UI Black" panose="020B0A02040204020203" pitchFamily="34" charset="0"/>
                 <a:cs typeface="Times New Roman" panose="02020603050405020304" pitchFamily="18" charset="0"/>
               </a:rPr>
               <a:t>Bộ phận: IoT Indruino</a:t>
             </a:r>
-            <a:endParaRPr lang="en-US" sz="2000" dirty="0">
-              <a:solidFill>
-                <a:schemeClr val="bg1"/>
-              </a:solidFill>
-              <a:latin typeface="Times New Roman" panose="02020603050405020304" pitchFamily="18" charset="0"/>
-              <a:cs typeface="Times New Roman" panose="02020603050405020304" pitchFamily="18" charset="0"/>
-            </a:endParaRPr>
           </a:p>
         </p:txBody>
       </p:sp>
@@ -7108,13 +6725,6 @@
   <p:clrMapOvr>
     <a:masterClrMapping/>
   </p:clrMapOvr>
-  <p:timing>
-    <p:tnLst>
-      <p:par>
-        <p:cTn id="1" dur="indefinite" restart="never" nodeType="tmRoot"/>
-      </p:par>
-    </p:tnLst>
-  </p:timing>
 </p:sld>
 </file>
 
@@ -7151,7 +6761,7 @@
           <a:lstStyle/>
           <a:p>
             <a:r>
-              <a:rPr lang="en-US" smtClean="0"/>
+              <a:rPr lang="en-US"/>
               <a:t>www.indruino.com</a:t>
             </a:r>
             <a:endParaRPr lang="en-US" dirty="0"/>
@@ -7200,22 +6810,36 @@
           <a:lstStyle/>
           <a:p>
             <a:r>
-              <a:rPr lang="en-US" sz="4800" b="1" smtClean="0">
-                <a:ln w="12700">
-                  <a:solidFill>
-                    <a:srgbClr val="C00000"/>
-                  </a:solidFill>
-                  <a:prstDash val="solid"/>
-                </a:ln>
+              <a:rPr lang="en-US" sz="4800" dirty="0">
+                <a:ln w="0"/>
                 <a:solidFill>
-                  <a:srgbClr val="FFC000"/>
+                  <a:schemeClr val="tx1"/>
                 </a:solidFill>
-                <a:latin typeface="Times New Roman" panose="02020603050405020304" pitchFamily="18" charset="0"/>
+                <a:effectLst>
+                  <a:outerShdw blurRad="38100" dist="19050" dir="2700000" algn="tl" rotWithShape="0">
+                    <a:schemeClr val="dk1">
+                      <a:alpha val="40000"/>
+                    </a:schemeClr>
+                  </a:outerShdw>
+                </a:effectLst>
+                <a:latin typeface="Segoe UI Black" panose="020B0A02040204020203" pitchFamily="34" charset="0"/>
                 <a:cs typeface="Times New Roman" panose="02020603050405020304" pitchFamily="18" charset="0"/>
               </a:rPr>
               <a:t>WIFI KIT ESP32 OVERVIEW</a:t>
             </a:r>
-            <a:endParaRPr lang="en-US" sz="4800" dirty="0"/>
+            <a:endParaRPr lang="en-US" sz="4800" dirty="0">
+              <a:ln w="0"/>
+              <a:solidFill>
+                <a:schemeClr val="tx1"/>
+              </a:solidFill>
+              <a:effectLst>
+                <a:outerShdw blurRad="38100" dist="19050" dir="2700000" algn="tl" rotWithShape="0">
+                  <a:schemeClr val="dk1">
+                    <a:alpha val="40000"/>
+                  </a:schemeClr>
+                </a:outerShdw>
+              </a:effectLst>
+            </a:endParaRPr>
           </a:p>
         </p:txBody>
       </p:sp>
@@ -7228,7 +6852,7 @@
         <p:spPr>
           <a:xfrm>
             <a:off x="3816520" y="4249642"/>
-            <a:ext cx="3609474" cy="707886"/>
+            <a:ext cx="3609474" cy="1015663"/>
           </a:xfrm>
           <a:prstGeom prst="rect">
             <a:avLst/>
@@ -7254,11 +6878,11 @@
           <a:lstStyle/>
           <a:p>
             <a:r>
-              <a:rPr lang="en-US" sz="2000" dirty="0" smtClean="0">
+              <a:rPr lang="en-US" sz="2000" dirty="0">
                 <a:solidFill>
                   <a:schemeClr val="bg1"/>
                 </a:solidFill>
-                <a:latin typeface="Times New Roman" panose="02020603050405020304" pitchFamily="18" charset="0"/>
+                <a:latin typeface="Segoe UI Black" panose="020B0A02040204020203" pitchFamily="34" charset="0"/>
                 <a:cs typeface="Times New Roman" panose="02020603050405020304" pitchFamily="18" charset="0"/>
               </a:rPr>
               <a:t>Diễn giả: Nguyễn Hoàng Phúc</a:t>
@@ -7266,22 +6890,15 @@
           </a:p>
           <a:p>
             <a:r>
-              <a:rPr lang="en-US" sz="2000" dirty="0" smtClean="0">
+              <a:rPr lang="en-US" sz="2000" dirty="0">
                 <a:solidFill>
                   <a:schemeClr val="bg1"/>
                 </a:solidFill>
-                <a:latin typeface="Times New Roman" panose="02020603050405020304" pitchFamily="18" charset="0"/>
+                <a:latin typeface="Segoe UI Black" panose="020B0A02040204020203" pitchFamily="34" charset="0"/>
                 <a:cs typeface="Times New Roman" panose="02020603050405020304" pitchFamily="18" charset="0"/>
               </a:rPr>
               <a:t>Bộ phận: IoT Indruino</a:t>
             </a:r>
-            <a:endParaRPr lang="en-US" sz="2000" dirty="0">
-              <a:solidFill>
-                <a:schemeClr val="bg1"/>
-              </a:solidFill>
-              <a:latin typeface="Times New Roman" panose="02020603050405020304" pitchFamily="18" charset="0"/>
-              <a:cs typeface="Times New Roman" panose="02020603050405020304" pitchFamily="18" charset="0"/>
-            </a:endParaRPr>
           </a:p>
         </p:txBody>
       </p:sp>
@@ -7295,13 +6912,6 @@
   <p:clrMapOvr>
     <a:masterClrMapping/>
   </p:clrMapOvr>
-  <p:timing>
-    <p:tnLst>
-      <p:par>
-        <p:cTn id="1" dur="indefinite" restart="never" nodeType="tmRoot"/>
-      </p:par>
-    </p:tnLst>
-  </p:timing>
 </p:sld>
 </file>
 
@@ -7361,49 +6971,14 @@
                     <a:lumOff val="60000"/>
                   </a:schemeClr>
                 </a:solidFill>
-                <a:latin typeface="Times New Roman" panose="02020603050405020304" pitchFamily="18" charset="0"/>
+                <a:latin typeface="Segoe UI Black" panose="020B0A02040204020203" pitchFamily="34" charset="0"/>
                 <a:cs typeface="Times New Roman" panose="02020603050405020304" pitchFamily="18" charset="0"/>
               </a:rPr>
               <a:t>PART 1: </a:t>
             </a:r>
-            <a:endParaRPr lang="en-US" sz="6000" b="1" dirty="0" smtClean="0">
-              <a:ln w="22225">
-                <a:solidFill>
-                  <a:schemeClr val="accent2"/>
-                </a:solidFill>
-                <a:prstDash val="solid"/>
-              </a:ln>
-              <a:solidFill>
-                <a:schemeClr val="accent2">
-                  <a:lumMod val="40000"/>
-                  <a:lumOff val="60000"/>
-                </a:schemeClr>
-              </a:solidFill>
-              <a:latin typeface="Times New Roman" panose="02020603050405020304" pitchFamily="18" charset="0"/>
-              <a:cs typeface="Times New Roman" panose="02020603050405020304" pitchFamily="18" charset="0"/>
-            </a:endParaRPr>
           </a:p>
           <a:p>
             <a:pPr algn="ctr"/>
-            <a:r>
-              <a:rPr lang="en-US" sz="6000" b="1" dirty="0" smtClean="0">
-                <a:ln w="22225">
-                  <a:solidFill>
-                    <a:schemeClr val="accent2"/>
-                  </a:solidFill>
-                  <a:prstDash val="solid"/>
-                </a:ln>
-                <a:solidFill>
-                  <a:schemeClr val="accent2">
-                    <a:lumMod val="40000"/>
-                    <a:lumOff val="60000"/>
-                  </a:schemeClr>
-                </a:solidFill>
-                <a:latin typeface="Times New Roman" panose="02020603050405020304" pitchFamily="18" charset="0"/>
-                <a:cs typeface="Times New Roman" panose="02020603050405020304" pitchFamily="18" charset="0"/>
-              </a:rPr>
-              <a:t>PIN </a:t>
-            </a:r>
             <a:r>
               <a:rPr lang="en-US" sz="6000" b="1" dirty="0">
                 <a:ln w="22225">
@@ -7418,10 +6993,10 @@
                     <a:lumOff val="60000"/>
                   </a:schemeClr>
                 </a:solidFill>
-                <a:latin typeface="Times New Roman" panose="02020603050405020304" pitchFamily="18" charset="0"/>
+                <a:latin typeface="Segoe UI Black" panose="020B0A02040204020203" pitchFamily="34" charset="0"/>
                 <a:cs typeface="Times New Roman" panose="02020603050405020304" pitchFamily="18" charset="0"/>
               </a:rPr>
-              <a:t>PORT IoT BROAD</a:t>
+              <a:t>PIN PORT IoT BROAD</a:t>
             </a:r>
           </a:p>
         </p:txBody>
@@ -7436,13 +7011,6 @@
   <p:clrMapOvr>
     <a:masterClrMapping/>
   </p:clrMapOvr>
-  <p:timing>
-    <p:tnLst>
-      <p:par>
-        <p:cTn id="1" dur="indefinite" restart="never" nodeType="tmRoot"/>
-      </p:par>
-    </p:tnLst>
-  </p:timing>
 </p:sld>
 </file>
 
@@ -7479,7 +7047,7 @@
           <a:lstStyle/>
           <a:p>
             <a:r>
-              <a:rPr lang="en-US" b="1" dirty="0" smtClean="0">
+              <a:rPr lang="en-US" sz="3000" b="1" dirty="0">
                 <a:solidFill>
                   <a:srgbClr val="FF0000"/>
                 </a:solidFill>
@@ -7490,25 +7058,11 @@
                     </a:srgbClr>
                   </a:outerShdw>
                 </a:effectLst>
-                <a:latin typeface="Times New Roman" panose="02020603050405020304" pitchFamily="18" charset="0"/>
+                <a:latin typeface="Segoe UI Black" panose="020B0A02040204020203" pitchFamily="34" charset="0"/>
                 <a:cs typeface="Times New Roman" panose="02020603050405020304" pitchFamily="18" charset="0"/>
               </a:rPr>
               <a:t>1.1 SƠ ĐỒ CHÂN WIFI KIT</a:t>
             </a:r>
-            <a:endParaRPr lang="en-US" b="1" dirty="0">
-              <a:solidFill>
-                <a:srgbClr val="FF0000"/>
-              </a:solidFill>
-              <a:effectLst>
-                <a:outerShdw blurRad="38100" dist="38100" dir="2700000" algn="tl">
-                  <a:srgbClr val="000000">
-                    <a:alpha val="43137"/>
-                  </a:srgbClr>
-                </a:outerShdw>
-              </a:effectLst>
-              <a:latin typeface="Times New Roman" panose="02020603050405020304" pitchFamily="18" charset="0"/>
-              <a:cs typeface="Times New Roman" panose="02020603050405020304" pitchFamily="18" charset="0"/>
-            </a:endParaRPr>
           </a:p>
         </p:txBody>
       </p:sp>
@@ -7676,18 +7230,11 @@
               <a:buChar char="•"/>
             </a:pPr>
             <a:r>
-              <a:rPr lang="en-US" sz="2400" dirty="0" smtClean="0">
-                <a:latin typeface="Times New Roman" panose="02020603050405020304" pitchFamily="18" charset="0"/>
+              <a:rPr lang="en-US" sz="2400" dirty="0">
+                <a:latin typeface="Segoe UI Black" panose="020B0A02040204020203" pitchFamily="34" charset="0"/>
                 <a:cs typeface="Times New Roman" panose="02020603050405020304" pitchFamily="18" charset="0"/>
               </a:rPr>
-              <a:t>Broad </a:t>
-            </a:r>
-            <a:r>
-              <a:rPr lang="en-US" sz="2400" dirty="0">
-                <a:latin typeface="Times New Roman" panose="02020603050405020304" pitchFamily="18" charset="0"/>
-                <a:cs typeface="Times New Roman" panose="02020603050405020304" pitchFamily="18" charset="0"/>
-              </a:rPr>
-              <a:t>có 7 chân nguồn:</a:t>
+              <a:t>Broad có 7 chân nguồn:</a:t>
             </a:r>
           </a:p>
           <a:p>
@@ -7697,7 +7244,7 @@
             </a:pPr>
             <a:r>
               <a:rPr lang="en-US" sz="2400" dirty="0">
-                <a:latin typeface="Times New Roman" panose="02020603050405020304" pitchFamily="18" charset="0"/>
+                <a:latin typeface="Segoe UI Black" panose="020B0A02040204020203" pitchFamily="34" charset="0"/>
                 <a:cs typeface="Times New Roman" panose="02020603050405020304" pitchFamily="18" charset="0"/>
               </a:rPr>
               <a:t>2 chân GND</a:t>
@@ -7710,7 +7257,7 @@
             </a:pPr>
             <a:r>
               <a:rPr lang="en-US" sz="2400" dirty="0">
-                <a:latin typeface="Times New Roman" panose="02020603050405020304" pitchFamily="18" charset="0"/>
+                <a:latin typeface="Segoe UI Black" panose="020B0A02040204020203" pitchFamily="34" charset="0"/>
                 <a:cs typeface="Times New Roman" panose="02020603050405020304" pitchFamily="18" charset="0"/>
               </a:rPr>
               <a:t>1 chân 5V</a:t>
@@ -7723,7 +7270,7 @@
             </a:pPr>
             <a:r>
               <a:rPr lang="en-US" sz="2400" dirty="0">
-                <a:latin typeface="Times New Roman" panose="02020603050405020304" pitchFamily="18" charset="0"/>
+                <a:latin typeface="Segoe UI Black" panose="020B0A02040204020203" pitchFamily="34" charset="0"/>
                 <a:cs typeface="Times New Roman" panose="02020603050405020304" pitchFamily="18" charset="0"/>
               </a:rPr>
               <a:t>2 chân 3.3V</a:t>
@@ -7736,7 +7283,7 @@
             </a:pPr>
             <a:r>
               <a:rPr lang="en-US" sz="2400" dirty="0">
-                <a:latin typeface="Times New Roman" panose="02020603050405020304" pitchFamily="18" charset="0"/>
+                <a:latin typeface="Segoe UI Black" panose="020B0A02040204020203" pitchFamily="34" charset="0"/>
                 <a:cs typeface="Times New Roman" panose="02020603050405020304" pitchFamily="18" charset="0"/>
               </a:rPr>
               <a:t>2 chân nguồn ngoài (Vext)</a:t>
@@ -7759,8 +7306,8 @@
         </p:nvSpPr>
         <p:spPr>
           <a:xfrm>
-            <a:off x="1971675" y="571487"/>
-            <a:ext cx="4993675" cy="590931"/>
+            <a:off x="1971675" y="613037"/>
+            <a:ext cx="4209807" cy="507831"/>
           </a:xfrm>
           <a:prstGeom prst="rect">
             <a:avLst/>
@@ -7774,7 +7321,7 @@
           <a:lstStyle/>
           <a:p>
             <a:r>
-              <a:rPr lang="en-US" sz="3600" b="1" dirty="0" smtClean="0">
+              <a:rPr lang="en-US" sz="3000" b="1" dirty="0">
                 <a:solidFill>
                   <a:srgbClr val="FF0000"/>
                 </a:solidFill>
@@ -7785,25 +7332,11 @@
                     </a:srgbClr>
                   </a:outerShdw>
                 </a:effectLst>
-                <a:latin typeface="Times New Roman" panose="02020603050405020304" pitchFamily="18" charset="0"/>
+                <a:latin typeface="Segoe UI Black" panose="020B0A02040204020203" pitchFamily="34" charset="0"/>
                 <a:cs typeface="Times New Roman" panose="02020603050405020304" pitchFamily="18" charset="0"/>
               </a:rPr>
               <a:t>1.2 BROAD’S SOURCE</a:t>
             </a:r>
-            <a:endParaRPr lang="en-US" sz="3600" b="1" dirty="0">
-              <a:solidFill>
-                <a:srgbClr val="FF0000"/>
-              </a:solidFill>
-              <a:effectLst>
-                <a:outerShdw blurRad="38100" dist="38100" dir="2700000" algn="tl">
-                  <a:srgbClr val="000000">
-                    <a:alpha val="43137"/>
-                  </a:srgbClr>
-                </a:outerShdw>
-              </a:effectLst>
-              <a:latin typeface="Times New Roman" panose="02020603050405020304" pitchFamily="18" charset="0"/>
-              <a:cs typeface="Times New Roman" panose="02020603050405020304" pitchFamily="18" charset="0"/>
-            </a:endParaRPr>
           </a:p>
         </p:txBody>
       </p:sp>
@@ -8246,8 +7779,8 @@
         </p:nvSpPr>
         <p:spPr>
           <a:xfrm>
-            <a:off x="1971675" y="571487"/>
-            <a:ext cx="3728521" cy="590931"/>
+            <a:off x="1971675" y="613037"/>
+            <a:ext cx="3220753" cy="507831"/>
           </a:xfrm>
           <a:prstGeom prst="rect">
             <a:avLst/>
@@ -8261,7 +7794,7 @@
           <a:lstStyle/>
           <a:p>
             <a:r>
-              <a:rPr lang="en-US" sz="3600" b="1" dirty="0">
+              <a:rPr lang="en-US" sz="3000" b="1" dirty="0">
                 <a:solidFill>
                   <a:srgbClr val="FF0000"/>
                 </a:solidFill>
@@ -8272,7 +7805,7 @@
                     </a:srgbClr>
                   </a:outerShdw>
                 </a:effectLst>
-                <a:latin typeface="Times New Roman" panose="02020603050405020304" pitchFamily="18" charset="0"/>
+                <a:latin typeface="Segoe UI Black" panose="020B0A02040204020203" pitchFamily="34" charset="0"/>
                 <a:cs typeface="Times New Roman" panose="02020603050405020304" pitchFamily="18" charset="0"/>
               </a:rPr>
               <a:t>1.3 DIGITAL PIN</a:t>
@@ -8356,7 +7889,7 @@
             </a:pPr>
             <a:r>
               <a:rPr lang="en-US" sz="2400" dirty="0">
-                <a:latin typeface="Times New Roman" panose="02020603050405020304" pitchFamily="18" charset="0"/>
+                <a:latin typeface="Segoe UI Black" panose="020B0A02040204020203" pitchFamily="34" charset="0"/>
                 <a:cs typeface="Times New Roman" panose="02020603050405020304" pitchFamily="18" charset="0"/>
               </a:rPr>
               <a:t>Broad có 10 chân vào số:</a:t>
@@ -8369,7 +7902,7 @@
             </a:pPr>
             <a:r>
               <a:rPr lang="en-US" sz="2400" dirty="0">
-                <a:latin typeface="Times New Roman" panose="02020603050405020304" pitchFamily="18" charset="0"/>
+                <a:latin typeface="Segoe UI Black" panose="020B0A02040204020203" pitchFamily="34" charset="0"/>
                 <a:cs typeface="Times New Roman" panose="02020603050405020304" pitchFamily="18" charset="0"/>
               </a:rPr>
               <a:t>Bên nhánh trái gồm có 6 chân</a:t>
@@ -8382,7 +7915,7 @@
             </a:pPr>
             <a:r>
               <a:rPr lang="en-US" sz="2400" dirty="0">
-                <a:latin typeface="Times New Roman" panose="02020603050405020304" pitchFamily="18" charset="0"/>
+                <a:latin typeface="Segoe UI Black" panose="020B0A02040204020203" pitchFamily="34" charset="0"/>
                 <a:cs typeface="Times New Roman" panose="02020603050405020304" pitchFamily="18" charset="0"/>
               </a:rPr>
               <a:t>Bên nhánh phải gồm có 4 chân</a:t>
@@ -8788,7 +8321,7 @@
             </a:pPr>
             <a:r>
               <a:rPr lang="en-US" sz="2400" dirty="0">
-                <a:latin typeface="Times New Roman" panose="02020603050405020304" pitchFamily="18" charset="0"/>
+                <a:latin typeface="Segoe UI Black" panose="020B0A02040204020203" pitchFamily="34" charset="0"/>
                 <a:cs typeface="Times New Roman" panose="02020603050405020304" pitchFamily="18" charset="0"/>
               </a:rPr>
               <a:t>Broad có 18 chân vào analog:</a:t>
@@ -8801,7 +8334,7 @@
             </a:pPr>
             <a:r>
               <a:rPr lang="en-US" sz="2400" dirty="0">
-                <a:latin typeface="Times New Roman" panose="02020603050405020304" pitchFamily="18" charset="0"/>
+                <a:latin typeface="Segoe UI Black" panose="020B0A02040204020203" pitchFamily="34" charset="0"/>
                 <a:cs typeface="Times New Roman" panose="02020603050405020304" pitchFamily="18" charset="0"/>
               </a:rPr>
               <a:t>Bên nhánh trái gồm có 14 chân</a:t>
@@ -8814,7 +8347,7 @@
             </a:pPr>
             <a:r>
               <a:rPr lang="en-US" sz="2400" dirty="0">
-                <a:latin typeface="Times New Roman" panose="02020603050405020304" pitchFamily="18" charset="0"/>
+                <a:latin typeface="Segoe UI Black" panose="020B0A02040204020203" pitchFamily="34" charset="0"/>
                 <a:cs typeface="Times New Roman" panose="02020603050405020304" pitchFamily="18" charset="0"/>
               </a:rPr>
               <a:t>Bên nhánh phải gồm có 4 chân</a:t>
@@ -8827,24 +8360,10 @@
             </a:pPr>
             <a:r>
               <a:rPr lang="en-US" sz="2400" dirty="0">
-                <a:latin typeface="Times New Roman" panose="02020603050405020304" pitchFamily="18" charset="0"/>
+                <a:latin typeface="Segoe UI Black" panose="020B0A02040204020203" pitchFamily="34" charset="0"/>
                 <a:cs typeface="Times New Roman" panose="02020603050405020304" pitchFamily="18" charset="0"/>
               </a:rPr>
-              <a:t>Trong đó có 2 kênh </a:t>
-            </a:r>
-            <a:r>
-              <a:rPr lang="en-US" sz="2400" dirty="0" smtClean="0">
-                <a:latin typeface="Times New Roman" panose="02020603050405020304" pitchFamily="18" charset="0"/>
-                <a:cs typeface="Times New Roman" panose="02020603050405020304" pitchFamily="18" charset="0"/>
-              </a:rPr>
-              <a:t>analog</a:t>
-            </a:r>
-            <a:r>
-              <a:rPr lang="en-US" sz="2400" dirty="0">
-                <a:latin typeface="Times New Roman" panose="02020603050405020304" pitchFamily="18" charset="0"/>
-                <a:cs typeface="Times New Roman" panose="02020603050405020304" pitchFamily="18" charset="0"/>
-              </a:rPr>
-              <a:t>: kênh 1 có 8 chân, kênh 2 có 10 chân</a:t>
+              <a:t>Trong đó có 2 kênh analog: kênh 1 có 8 chân, kênh 2 có 10 chân</a:t>
             </a:r>
           </a:p>
         </p:txBody>
@@ -8861,8 +8380,8 @@
         </p:nvSpPr>
         <p:spPr>
           <a:xfrm>
-            <a:off x="1971675" y="571487"/>
-            <a:ext cx="3788409" cy="590931"/>
+            <a:off x="1971675" y="613037"/>
+            <a:ext cx="3318537" cy="507831"/>
           </a:xfrm>
           <a:prstGeom prst="rect">
             <a:avLst/>
@@ -8876,7 +8395,7 @@
           <a:lstStyle/>
           <a:p>
             <a:r>
-              <a:rPr lang="en-US" sz="3600" b="1" dirty="0">
+              <a:rPr lang="en-US" sz="3000" b="1" dirty="0">
                 <a:solidFill>
                   <a:srgbClr val="FF0000"/>
                 </a:solidFill>
@@ -8887,7 +8406,7 @@
                     </a:srgbClr>
                   </a:outerShdw>
                 </a:effectLst>
-                <a:latin typeface="Times New Roman" panose="02020603050405020304" pitchFamily="18" charset="0"/>
+                <a:latin typeface="Segoe UI Black" panose="020B0A02040204020203" pitchFamily="34" charset="0"/>
                 <a:cs typeface="Times New Roman" panose="02020603050405020304" pitchFamily="18" charset="0"/>
               </a:rPr>
               <a:t>1.4 ANALOG PIN</a:t>
@@ -9448,7 +8967,7 @@
             </a:pPr>
             <a:r>
               <a:rPr lang="en-US" sz="2400" dirty="0">
-                <a:latin typeface="Times New Roman" panose="02020603050405020304" pitchFamily="18" charset="0"/>
+                <a:latin typeface="Segoe UI Black" panose="020B0A02040204020203" pitchFamily="34" charset="0"/>
                 <a:cs typeface="Times New Roman" panose="02020603050405020304" pitchFamily="18" charset="0"/>
               </a:rPr>
               <a:t>Broad có 2 chân DAC</a:t>
@@ -9461,7 +8980,7 @@
             </a:pPr>
             <a:r>
               <a:rPr lang="en-US" sz="2400" dirty="0">
-                <a:latin typeface="Times New Roman" panose="02020603050405020304" pitchFamily="18" charset="0"/>
+                <a:latin typeface="Segoe UI Black" panose="020B0A02040204020203" pitchFamily="34" charset="0"/>
                 <a:cs typeface="Times New Roman" panose="02020603050405020304" pitchFamily="18" charset="0"/>
               </a:rPr>
               <a:t>Chân số 25, 26 là bộ chuyển tín hiệu nhận được từ số sang tương tự</a:t>
@@ -9481,8 +9000,8 @@
         </p:nvSpPr>
         <p:spPr>
           <a:xfrm>
-            <a:off x="1971675" y="571487"/>
-            <a:ext cx="2787943" cy="590931"/>
+            <a:off x="1971675" y="613037"/>
+            <a:ext cx="2460930" cy="507831"/>
           </a:xfrm>
           <a:prstGeom prst="rect">
             <a:avLst/>
@@ -9496,7 +9015,7 @@
           <a:lstStyle/>
           <a:p>
             <a:r>
-              <a:rPr lang="en-US" sz="3600" b="1" dirty="0">
+              <a:rPr lang="en-US" sz="3000" b="1" dirty="0">
                 <a:solidFill>
                   <a:srgbClr val="FF0000"/>
                 </a:solidFill>
@@ -9507,7 +9026,7 @@
                     </a:srgbClr>
                   </a:outerShdw>
                 </a:effectLst>
-                <a:latin typeface="Times New Roman" panose="02020603050405020304" pitchFamily="18" charset="0"/>
+                <a:latin typeface="Segoe UI Black" panose="020B0A02040204020203" pitchFamily="34" charset="0"/>
                 <a:cs typeface="Times New Roman" panose="02020603050405020304" pitchFamily="18" charset="0"/>
               </a:rPr>
               <a:t>1.5 DAC PIN</a:t>
@@ -9869,7 +9388,7 @@
         </p:spPr>
         <p:txBody>
           <a:bodyPr>
-            <a:normAutofit/>
+            <a:normAutofit lnSpcReduction="10000"/>
           </a:bodyPr>
           <a:lstStyle/>
           <a:p>
@@ -9879,7 +9398,7 @@
             </a:pPr>
             <a:r>
               <a:rPr lang="en-US" sz="2400" dirty="0">
-                <a:latin typeface="Times New Roman" panose="02020603050405020304" pitchFamily="18" charset="0"/>
+                <a:latin typeface="Segoe UI Black" panose="020B0A02040204020203" pitchFamily="34" charset="0"/>
                 <a:cs typeface="Times New Roman" panose="02020603050405020304" pitchFamily="18" charset="0"/>
               </a:rPr>
               <a:t>Broad có tổng 28 chân I/O </a:t>
@@ -9892,7 +9411,7 @@
             </a:pPr>
             <a:r>
               <a:rPr lang="en-US" sz="2400" dirty="0">
-                <a:latin typeface="Times New Roman" panose="02020603050405020304" pitchFamily="18" charset="0"/>
+                <a:latin typeface="Segoe UI Black" panose="020B0A02040204020203" pitchFamily="34" charset="0"/>
                 <a:cs typeface="Times New Roman" panose="02020603050405020304" pitchFamily="18" charset="0"/>
               </a:rPr>
               <a:t>Đây là các chân vào ra tùy chỉnh vào sự lập trình của người dùng</a:t>
@@ -9905,7 +9424,7 @@
             </a:pPr>
             <a:r>
               <a:rPr lang="en-US" sz="2400" dirty="0">
-                <a:latin typeface="Times New Roman" panose="02020603050405020304" pitchFamily="18" charset="0"/>
+                <a:latin typeface="Segoe UI Black" panose="020B0A02040204020203" pitchFamily="34" charset="0"/>
                 <a:cs typeface="Times New Roman" panose="02020603050405020304" pitchFamily="18" charset="0"/>
               </a:rPr>
               <a:t>Trong đó có các chân đảm nhận các nhiệm vụ riêng như chỉ vào analog, chỉ vào digital, DAC, hoặc các giao thức giao tiếp.</a:t>
@@ -9925,8 +9444,8 @@
         </p:nvSpPr>
         <p:spPr>
           <a:xfrm>
-            <a:off x="1971675" y="571487"/>
-            <a:ext cx="4340740" cy="590931"/>
+            <a:off x="1971675" y="613037"/>
+            <a:ext cx="3760966" cy="507831"/>
           </a:xfrm>
           <a:prstGeom prst="rect">
             <a:avLst/>
@@ -9940,7 +9459,7 @@
           <a:lstStyle/>
           <a:p>
             <a:r>
-              <a:rPr lang="en-US" sz="3600" b="1" dirty="0">
+              <a:rPr lang="en-US" sz="3000" b="1" dirty="0">
                 <a:solidFill>
                   <a:srgbClr val="FF0000"/>
                 </a:solidFill>
@@ -9951,7 +9470,7 @@
                     </a:srgbClr>
                   </a:outerShdw>
                 </a:effectLst>
-                <a:latin typeface="Times New Roman" panose="02020603050405020304" pitchFamily="18" charset="0"/>
+                <a:latin typeface="Segoe UI Black" panose="020B0A02040204020203" pitchFamily="34" charset="0"/>
                 <a:cs typeface="Times New Roman" panose="02020603050405020304" pitchFamily="18" charset="0"/>
               </a:rPr>
               <a:t>1.6 GPIO PORT PIN</a:t>
@@ -9975,7 +9494,7 @@
         </p:blipFill>
         <p:spPr>
           <a:xfrm>
-            <a:off x="3111583" y="3366866"/>
+            <a:off x="3171968" y="3867198"/>
             <a:ext cx="6702977" cy="3491134"/>
           </a:xfrm>
           <a:prstGeom prst="rect">
